--- a/docs/NorCPM-CF_overview_20240904.pptx
+++ b/docs/NorCPM-CF_overview_20240904.pptx
@@ -5,20 +5,19 @@
     <p:sldMasterId id="2147483648" r:id="rId1"/>
   </p:sldMasterIdLst>
   <p:notesMasterIdLst>
-    <p:notesMasterId r:id="rId8"/>
+    <p:notesMasterId r:id="rId7"/>
   </p:notesMasterIdLst>
   <p:sldIdLst>
     <p:sldId id="311" r:id="rId2"/>
-    <p:sldId id="415" r:id="rId3"/>
-    <p:sldId id="380" r:id="rId4"/>
-    <p:sldId id="405" r:id="rId5"/>
-    <p:sldId id="406" r:id="rId6"/>
-    <p:sldId id="416" r:id="rId7"/>
+    <p:sldId id="380" r:id="rId3"/>
+    <p:sldId id="405" r:id="rId4"/>
+    <p:sldId id="406" r:id="rId5"/>
+    <p:sldId id="416" r:id="rId6"/>
   </p:sldIdLst>
   <p:sldSz cx="12192000" cy="6858000"/>
   <p:notesSz cx="6858000" cy="9144000"/>
   <p:custDataLst>
-    <p:tags r:id="rId9"/>
+    <p:tags r:id="rId8"/>
   </p:custDataLst>
   <p:defaultTextStyle>
     <a:defPPr>
@@ -216,7 +215,7 @@
           <a:p>
             <a:fld id="{386A3372-C556-4678-ADCC-3266A1490628}" type="datetimeFigureOut">
               <a:rPr lang="nb-NO" smtClean="0"/>
-              <a:t>04.09.2024</a:t>
+              <a:t>05.09.2024</a:t>
             </a:fld>
             <a:endParaRPr lang="nb-NO"/>
           </a:p>
@@ -557,7 +556,7 @@
     </p:spTree>
     <p:extLst>
       <p:ext uri="{BB962C8B-B14F-4D97-AF65-F5344CB8AC3E}">
-        <p14:creationId xmlns:p14="http://schemas.microsoft.com/office/powerpoint/2010/main" val="2310496794"/>
+        <p14:creationId xmlns:p14="http://schemas.microsoft.com/office/powerpoint/2010/main" val="6288197"/>
       </p:ext>
     </p:extLst>
   </p:cSld>
@@ -641,7 +640,7 @@
     </p:spTree>
     <p:extLst>
       <p:ext uri="{BB962C8B-B14F-4D97-AF65-F5344CB8AC3E}">
-        <p14:creationId xmlns:p14="http://schemas.microsoft.com/office/powerpoint/2010/main" val="6288197"/>
+        <p14:creationId xmlns:p14="http://schemas.microsoft.com/office/powerpoint/2010/main" val="2052999281"/>
       </p:ext>
     </p:extLst>
   </p:cSld>
@@ -725,7 +724,7 @@
     </p:spTree>
     <p:extLst>
       <p:ext uri="{BB962C8B-B14F-4D97-AF65-F5344CB8AC3E}">
-        <p14:creationId xmlns:p14="http://schemas.microsoft.com/office/powerpoint/2010/main" val="2052999281"/>
+        <p14:creationId xmlns:p14="http://schemas.microsoft.com/office/powerpoint/2010/main" val="2873558128"/>
       </p:ext>
     </p:extLst>
   </p:cSld>
@@ -801,90 +800,6 @@
             <a:fld id="{C49E8C22-00AC-4214-B956-F6F3EF5B7FED}" type="slidenum">
               <a:rPr lang="nb-NO" smtClean="0"/>
               <a:t>5</a:t>
-            </a:fld>
-            <a:endParaRPr lang="nb-NO"/>
-          </a:p>
-        </p:txBody>
-      </p:sp>
-    </p:spTree>
-    <p:extLst>
-      <p:ext uri="{BB962C8B-B14F-4D97-AF65-F5344CB8AC3E}">
-        <p14:creationId xmlns:p14="http://schemas.microsoft.com/office/powerpoint/2010/main" val="2873558128"/>
-      </p:ext>
-    </p:extLst>
-  </p:cSld>
-  <p:clrMapOvr>
-    <a:masterClrMapping/>
-  </p:clrMapOvr>
-</p:notes>
-</file>
-
-<file path=ppt/notesSlides/notesSlide5.xml><?xml version="1.0" encoding="utf-8"?>
-<p:notes xmlns:a="http://schemas.openxmlformats.org/drawingml/2006/main" xmlns:r="http://schemas.openxmlformats.org/officeDocument/2006/relationships" xmlns:p="http://schemas.openxmlformats.org/presentationml/2006/main">
-  <p:cSld>
-    <p:spTree>
-      <p:nvGrpSpPr>
-        <p:cNvPr id="1" name=""/>
-        <p:cNvGrpSpPr/>
-        <p:nvPr/>
-      </p:nvGrpSpPr>
-      <p:grpSpPr>
-        <a:xfrm>
-          <a:off x="0" y="0"/>
-          <a:ext cx="0" cy="0"/>
-          <a:chOff x="0" y="0"/>
-          <a:chExt cx="0" cy="0"/>
-        </a:xfrm>
-      </p:grpSpPr>
-      <p:sp>
-        <p:nvSpPr>
-          <p:cNvPr id="2" name="Slide Image Placeholder 1"/>
-          <p:cNvSpPr>
-            <a:spLocks noGrp="1" noRot="1" noChangeAspect="1"/>
-          </p:cNvSpPr>
-          <p:nvPr>
-            <p:ph type="sldImg"/>
-          </p:nvPr>
-        </p:nvSpPr>
-        <p:spPr/>
-      </p:sp>
-      <p:sp>
-        <p:nvSpPr>
-          <p:cNvPr id="3" name="Notes Placeholder 2"/>
-          <p:cNvSpPr>
-            <a:spLocks noGrp="1"/>
-          </p:cNvSpPr>
-          <p:nvPr>
-            <p:ph type="body" idx="1"/>
-          </p:nvPr>
-        </p:nvSpPr>
-        <p:spPr/>
-        <p:txBody>
-          <a:bodyPr/>
-          <a:lstStyle/>
-          <a:p>
-            <a:endParaRPr lang="en-NO" dirty="0"/>
-          </a:p>
-        </p:txBody>
-      </p:sp>
-      <p:sp>
-        <p:nvSpPr>
-          <p:cNvPr id="4" name="Slide Number Placeholder 3"/>
-          <p:cNvSpPr>
-            <a:spLocks noGrp="1"/>
-          </p:cNvSpPr>
-          <p:nvPr>
-            <p:ph type="sldNum" sz="quarter" idx="5"/>
-          </p:nvPr>
-        </p:nvSpPr>
-        <p:spPr/>
-        <p:txBody>
-          <a:bodyPr/>
-          <a:lstStyle/>
-          <a:p>
-            <a:fld id="{C49E8C22-00AC-4214-B956-F6F3EF5B7FED}" type="slidenum">
-              <a:rPr lang="nb-NO" smtClean="0"/>
-              <a:t>6</a:t>
             </a:fld>
             <a:endParaRPr lang="nb-NO"/>
           </a:p>
@@ -4359,7 +4274,15 @@
             </a:r>
             <a:r>
               <a:rPr lang="en-US" sz="2800" dirty="0"/>
-              <a:t>-CF – Norwegian Climate Prediction Model for Climate Futures</a:t>
+              <a:t>-CF – A </a:t>
+            </a:r>
+            <a:r>
+              <a:rPr lang="en-US" sz="2800" dirty="0" err="1"/>
+              <a:t>NorCPM</a:t>
+            </a:r>
+            <a:r>
+              <a:rPr lang="en-US" sz="2800" dirty="0"/>
+              <a:t> setup for Climate Futures</a:t>
             </a:r>
             <a:endParaRPr lang="nb-NO" sz="2800" dirty="0"/>
           </a:p>
@@ -4615,7 +4538,15 @@
           <a:p>
             <a:r>
               <a:rPr lang="nb-NO" dirty="0"/>
-              <a:t>19 August 2024, </a:t>
+              <a:t>4</a:t>
+            </a:r>
+            <a:r>
+              <a:rPr lang="nb-NO"/>
+              <a:t> </a:t>
+            </a:r>
+            <a:r>
+              <a:rPr lang="nb-NO" dirty="0"/>
+              <a:t>September 2024, </a:t>
             </a:r>
             <a:r>
               <a:rPr lang="nb-NO" dirty="0" err="1"/>
@@ -4684,7 +4615,7 @@
         </p:nvSpPr>
         <p:spPr>
           <a:xfrm>
-            <a:off x="532532" y="1234799"/>
+            <a:off x="533400" y="1234799"/>
             <a:ext cx="11366500" cy="5623201"/>
           </a:xfrm>
         </p:spPr>
@@ -4704,203 +4635,46 @@
                   <a:schemeClr val="tx1"/>
                 </a:solidFill>
               </a:rPr>
-              <a:t>Code and input data spread over many locations</a:t>
-            </a:r>
-            <a:endParaRPr lang="en-GB" sz="2000" dirty="0">
+              <a:t>NorCPM (NorESM+assimilation) code, scripts and settings in single git-repository </a:t>
+            </a:r>
+            <a:r>
+              <a:rPr lang="en-GB" sz="1800" i="1" dirty="0">
+                <a:solidFill>
+                  <a:srgbClr val="000000"/>
+                </a:solidFill>
+                <a:effectLst/>
+              </a:rPr>
+              <a:t>https://github.com/BjerknesCPU/</a:t>
+            </a:r>
+            <a:r>
+              <a:rPr lang="en-GB" sz="1800" i="1" dirty="0" err="1">
+                <a:solidFill>
+                  <a:srgbClr val="000000"/>
+                </a:solidFill>
+                <a:effectLst/>
+              </a:rPr>
+              <a:t>NorCPM</a:t>
+            </a:r>
+            <a:r>
+              <a:rPr lang="en-GB" sz="1800" i="1" dirty="0">
+                <a:solidFill>
+                  <a:srgbClr val="000000"/>
+                </a:solidFill>
+                <a:effectLst/>
+              </a:rPr>
+              <a:t>-CF</a:t>
+            </a:r>
+            <a:endParaRPr lang="en-GB" sz="1800" i="1" dirty="0">
               <a:solidFill>
                 <a:schemeClr val="tx1"/>
               </a:solidFill>
             </a:endParaRPr>
           </a:p>
           <a:p>
-            <a:pPr>
-              <a:buFont typeface="Arial" panose="020B0604020202020204" pitchFamily="34" charset="0"/>
-              <a:buChar char="•"/>
+            <a:pPr marL="0" indent="0">
+              <a:buNone/>
             </a:pPr>
-            <a:r>
-              <a:rPr lang="en-GB" sz="1400" i="1" dirty="0" err="1">
-                <a:solidFill>
-                  <a:schemeClr val="tx1"/>
-                </a:solidFill>
-              </a:rPr>
-              <a:t>github.com</a:t>
-            </a:r>
-            <a:r>
-              <a:rPr lang="en-GB" sz="1400" i="1" dirty="0">
-                <a:solidFill>
-                  <a:schemeClr val="tx1"/>
-                </a:solidFill>
-              </a:rPr>
-              <a:t>/</a:t>
-            </a:r>
-            <a:r>
-              <a:rPr lang="en-GB" sz="1400" i="1" dirty="0" err="1">
-                <a:solidFill>
-                  <a:schemeClr val="tx1"/>
-                </a:solidFill>
-              </a:rPr>
-              <a:t>BjerknesCPU</a:t>
-            </a:r>
-            <a:r>
-              <a:rPr lang="en-GB" sz="1400" i="1" dirty="0">
-                <a:solidFill>
-                  <a:schemeClr val="tx1"/>
-                </a:solidFill>
-              </a:rPr>
-              <a:t>/</a:t>
-            </a:r>
-            <a:r>
-              <a:rPr lang="en-GB" sz="1400" i="1" dirty="0" err="1">
-                <a:solidFill>
-                  <a:schemeClr val="tx1"/>
-                </a:solidFill>
-              </a:rPr>
-              <a:t>NorCPM.git</a:t>
-            </a:r>
-            <a:r>
-              <a:rPr lang="en-NO" sz="1400" i="1" dirty="0">
-                <a:solidFill>
-                  <a:schemeClr val="tx1"/>
-                </a:solidFill>
-              </a:rPr>
-              <a:t> </a:t>
-            </a:r>
-            <a:r>
-              <a:rPr lang="en-NO" sz="1400" dirty="0">
-                <a:solidFill>
-                  <a:schemeClr val="tx1"/>
-                </a:solidFill>
-              </a:rPr>
-              <a:t>(NorESM code, scripts for setting up simulations ensembles)</a:t>
-            </a:r>
-          </a:p>
-          <a:p>
-            <a:pPr>
-              <a:buFont typeface="Arial" panose="020B0604020202020204" pitchFamily="34" charset="0"/>
-              <a:buChar char="•"/>
-            </a:pPr>
-            <a:r>
-              <a:rPr lang="en-GB" sz="1400" i="1" dirty="0">
-                <a:solidFill>
-                  <a:srgbClr val="000000"/>
-                </a:solidFill>
-                <a:effectLst/>
-              </a:rPr>
-              <a:t>/cluster/shared/</a:t>
-            </a:r>
-            <a:r>
-              <a:rPr lang="en-GB" sz="1400" i="1" dirty="0" err="1">
-                <a:solidFill>
-                  <a:srgbClr val="000000"/>
-                </a:solidFill>
-                <a:effectLst/>
-              </a:rPr>
-              <a:t>noresm</a:t>
-            </a:r>
-            <a:r>
-              <a:rPr lang="en-GB" sz="1400" i="1" dirty="0">
-                <a:solidFill>
-                  <a:srgbClr val="000000"/>
-                </a:solidFill>
-                <a:effectLst/>
-              </a:rPr>
-              <a:t>/</a:t>
-            </a:r>
-            <a:r>
-              <a:rPr lang="en-GB" sz="1400" i="1" dirty="0" err="1">
-                <a:solidFill>
-                  <a:srgbClr val="000000"/>
-                </a:solidFill>
-                <a:effectLst/>
-              </a:rPr>
-              <a:t>inputdata</a:t>
-            </a:r>
-            <a:r>
-              <a:rPr lang="en-GB" sz="1400" i="1" dirty="0">
-                <a:solidFill>
-                  <a:srgbClr val="000000"/>
-                </a:solidFill>
-                <a:effectLst/>
-              </a:rPr>
-              <a:t> </a:t>
-            </a:r>
-            <a:r>
-              <a:rPr lang="en-GB" sz="1400" dirty="0">
-                <a:solidFill>
-                  <a:srgbClr val="000000"/>
-                </a:solidFill>
-              </a:rPr>
-              <a:t>(</a:t>
-            </a:r>
-            <a:r>
-              <a:rPr lang="en-NO" sz="1400" dirty="0">
-                <a:solidFill>
-                  <a:schemeClr val="tx1"/>
-                </a:solidFill>
-              </a:rPr>
-              <a:t>NorESM input data)</a:t>
-            </a:r>
-          </a:p>
-          <a:p>
-            <a:pPr>
-              <a:buFont typeface="Arial" panose="020B0604020202020204" pitchFamily="34" charset="0"/>
-              <a:buChar char="•"/>
-            </a:pPr>
-            <a:r>
-              <a:rPr lang="en-GB" sz="1400" i="1" dirty="0">
-                <a:solidFill>
-                  <a:srgbClr val="000000"/>
-                </a:solidFill>
-                <a:effectLst/>
-              </a:rPr>
-              <a:t>/cluster/shared/</a:t>
-            </a:r>
-            <a:r>
-              <a:rPr lang="en-GB" sz="1400" i="1" dirty="0" err="1">
-                <a:solidFill>
-                  <a:srgbClr val="000000"/>
-                </a:solidFill>
-                <a:effectLst/>
-              </a:rPr>
-              <a:t>noresm</a:t>
-            </a:r>
-            <a:r>
-              <a:rPr lang="en-GB" sz="1400" i="1" dirty="0">
-                <a:solidFill>
-                  <a:srgbClr val="000000"/>
-                </a:solidFill>
-                <a:effectLst/>
-              </a:rPr>
-              <a:t>/</a:t>
-            </a:r>
-            <a:r>
-              <a:rPr lang="en-GB" sz="1400" i="1" dirty="0" err="1">
-                <a:solidFill>
-                  <a:srgbClr val="000000"/>
-                </a:solidFill>
-                <a:effectLst/>
-              </a:rPr>
-              <a:t>norcpm</a:t>
-            </a:r>
-            <a:r>
-              <a:rPr lang="en-GB" sz="1400" i="1" dirty="0">
-                <a:solidFill>
-                  <a:srgbClr val="000000"/>
-                </a:solidFill>
-                <a:effectLst/>
-              </a:rPr>
-              <a:t>/Input </a:t>
-            </a:r>
-            <a:r>
-              <a:rPr lang="en-GB" sz="1400" dirty="0">
-                <a:solidFill>
-                  <a:srgbClr val="000000"/>
-                </a:solidFill>
-                <a:effectLst/>
-              </a:rPr>
-              <a:t>(assimilation settings)</a:t>
-            </a:r>
-            <a:endParaRPr lang="en-NO" sz="1400" dirty="0">
+            <a:endParaRPr lang="en-GB" sz="1000" dirty="0">
               <a:solidFill>
                 <a:schemeClr val="tx1"/>
               </a:solidFill>
@@ -4908,180 +4682,159 @@
           </a:p>
           <a:p>
             <a:pPr>
-              <a:buFont typeface="Arial" panose="020B0604020202020204" pitchFamily="34" charset="0"/>
-              <a:buChar char="•"/>
+              <a:buFont typeface="Wingdings" pitchFamily="2" charset="2"/>
+              <a:buChar char="Ø"/>
             </a:pPr>
             <a:r>
-              <a:rPr lang="en-GB" sz="1400" i="1" dirty="0">
+              <a:rPr lang="en-GB" sz="2000" dirty="0" err="1">
                 <a:solidFill>
                   <a:schemeClr val="tx1"/>
                 </a:solidFill>
+              </a:rPr>
+              <a:t>NorCPM</a:t>
+            </a:r>
+            <a:r>
+              <a:rPr lang="en-GB" sz="2000" dirty="0">
+                <a:solidFill>
+                  <a:schemeClr val="tx1"/>
+                </a:solidFill>
+              </a:rPr>
+              <a:t> (</a:t>
+            </a:r>
+            <a:r>
+              <a:rPr lang="en-GB" sz="2000" dirty="0" err="1">
+                <a:solidFill>
+                  <a:schemeClr val="tx1"/>
+                </a:solidFill>
+              </a:rPr>
+              <a:t>NorESM+assimilation</a:t>
+            </a:r>
+            <a:r>
+              <a:rPr lang="en-GB" sz="2000" dirty="0">
+                <a:solidFill>
+                  <a:schemeClr val="tx1"/>
+                </a:solidFill>
+              </a:rPr>
+              <a:t>) input data in single location on </a:t>
+            </a:r>
+            <a:r>
+              <a:rPr lang="en-GB" sz="2000" dirty="0" err="1">
+                <a:solidFill>
+                  <a:schemeClr val="tx1"/>
+                </a:solidFill>
+              </a:rPr>
+              <a:t>Betzy</a:t>
+            </a:r>
+            <a:r>
+              <a:rPr lang="en-GB" sz="2000" dirty="0">
+                <a:solidFill>
+                  <a:schemeClr val="tx1"/>
+                </a:solidFill>
+              </a:rPr>
+              <a:t> </a:t>
+            </a:r>
+            <a:r>
+              <a:rPr lang="en-GB" sz="1800" i="1" dirty="0">
+                <a:solidFill>
+                  <a:srgbClr val="000000"/>
+                </a:solidFill>
                 <a:effectLst/>
               </a:rPr>
               <a:t>/cluster/shared/</a:t>
             </a:r>
             <a:r>
-              <a:rPr lang="en-GB" sz="1400" i="1" dirty="0" err="1">
+              <a:rPr lang="en-GB" sz="1800" i="1" dirty="0" err="1">
+                <a:solidFill>
+                  <a:srgbClr val="000000"/>
+                </a:solidFill>
+                <a:effectLst/>
+              </a:rPr>
+              <a:t>noresm</a:t>
+            </a:r>
+            <a:r>
+              <a:rPr lang="en-GB" sz="1800" i="1" dirty="0">
+                <a:solidFill>
+                  <a:srgbClr val="000000"/>
+                </a:solidFill>
+                <a:effectLst/>
+              </a:rPr>
+              <a:t>/</a:t>
+            </a:r>
+            <a:r>
+              <a:rPr lang="en-GB" sz="1800" i="1" dirty="0" err="1">
+                <a:solidFill>
+                  <a:srgbClr val="000000"/>
+                </a:solidFill>
+                <a:effectLst/>
+              </a:rPr>
+              <a:t>inputdata</a:t>
+            </a:r>
+            <a:endParaRPr lang="en-NO" sz="1000" dirty="0">
+              <a:solidFill>
+                <a:schemeClr val="tx1"/>
+              </a:solidFill>
+            </a:endParaRPr>
+          </a:p>
+          <a:p>
+            <a:pPr marL="0" indent="0">
+              <a:buNone/>
+            </a:pPr>
+            <a:endParaRPr lang="en-NO" sz="1000" dirty="0">
+              <a:solidFill>
+                <a:schemeClr val="tx1"/>
+              </a:solidFill>
+            </a:endParaRPr>
+          </a:p>
+          <a:p>
+            <a:pPr>
+              <a:buFont typeface="Wingdings" pitchFamily="2" charset="2"/>
+              <a:buChar char="Ø"/>
+            </a:pPr>
+            <a:r>
+              <a:rPr lang="en-NO" sz="2000" dirty="0">
                 <a:solidFill>
                   <a:schemeClr val="tx1"/>
                 </a:solidFill>
-                <a:effectLst/>
-              </a:rPr>
-              <a:t>noresm</a:t>
-            </a:r>
-            <a:r>
-              <a:rPr lang="en-GB" sz="1400" i="1" dirty="0">
+              </a:rPr>
+              <a:t>Full experiment customization via setting files and command line options (allows better git-version control because scripts remain more “static”)</a:t>
+            </a:r>
+          </a:p>
+          <a:p>
+            <a:pPr>
+              <a:buFont typeface="Wingdings" pitchFamily="2" charset="2"/>
+              <a:buChar char="Ø"/>
+            </a:pPr>
+            <a:endParaRPr lang="en-NO" sz="1000" dirty="0">
+              <a:solidFill>
+                <a:schemeClr val="tx1"/>
+              </a:solidFill>
+            </a:endParaRPr>
+          </a:p>
+          <a:p>
+            <a:pPr>
+              <a:buFont typeface="Wingdings" pitchFamily="2" charset="2"/>
+              <a:buChar char="Ø"/>
+            </a:pPr>
+            <a:r>
+              <a:rPr lang="en-NO" sz="2000" dirty="0">
                 <a:solidFill>
                   <a:schemeClr val="tx1"/>
                 </a:solidFill>
-                <a:effectLst/>
-              </a:rPr>
-              <a:t>/</a:t>
-            </a:r>
-            <a:r>
-              <a:rPr lang="en-GB" sz="1400" i="1" dirty="0" err="1">
+              </a:rPr>
+              <a:t>Code compilation for each experiment (ensures consistency, traceability, portability) </a:t>
+            </a:r>
+          </a:p>
+          <a:p>
+            <a:pPr marL="0" indent="0">
+              <a:buNone/>
+            </a:pPr>
+            <a:r>
+              <a:rPr lang="en-NO" sz="1000" dirty="0">
                 <a:solidFill>
                   <a:schemeClr val="tx1"/>
                 </a:solidFill>
-                <a:effectLst/>
-              </a:rPr>
-              <a:t>norcpm</a:t>
-            </a:r>
-            <a:r>
-              <a:rPr lang="en-GB" sz="1400" i="1" dirty="0">
-                <a:solidFill>
-                  <a:schemeClr val="tx1"/>
-                </a:solidFill>
-                <a:effectLst/>
-              </a:rPr>
-              <a:t>/bin </a:t>
-            </a:r>
-            <a:r>
-              <a:rPr lang="en-GB" sz="1400" dirty="0">
-                <a:solidFill>
-                  <a:schemeClr val="tx1"/>
-                </a:solidFill>
-                <a:effectLst/>
-              </a:rPr>
-              <a:t>(</a:t>
-            </a:r>
-            <a:r>
-              <a:rPr lang="en-NO" sz="1400" dirty="0">
-                <a:solidFill>
-                  <a:schemeClr val="tx1"/>
-                </a:solidFill>
-              </a:rPr>
-              <a:t>assimilation executables) </a:t>
-            </a:r>
-          </a:p>
-          <a:p>
-            <a:pPr>
-              <a:buFont typeface="Arial" panose="020B0604020202020204" pitchFamily="34" charset="0"/>
-              <a:buChar char="•"/>
-            </a:pPr>
-            <a:r>
-              <a:rPr lang="en-GB" sz="1400" i="1" dirty="0">
-                <a:solidFill>
-                  <a:schemeClr val="tx1"/>
-                </a:solidFill>
-                <a:effectLst/>
-              </a:rPr>
-              <a:t>/cluster/projects/nn9039k/</a:t>
-            </a:r>
-            <a:r>
-              <a:rPr lang="en-GB" sz="1400" i="1" dirty="0" err="1">
-                <a:solidFill>
-                  <a:schemeClr val="tx1"/>
-                </a:solidFill>
-                <a:effectLst/>
-              </a:rPr>
-              <a:t>NorCPM</a:t>
-            </a:r>
-            <a:r>
-              <a:rPr lang="en-GB" sz="1400" i="1" dirty="0">
-                <a:solidFill>
-                  <a:schemeClr val="tx1"/>
-                </a:solidFill>
-                <a:effectLst/>
-              </a:rPr>
-              <a:t>/Code </a:t>
-            </a:r>
-            <a:r>
-              <a:rPr lang="en-GB" sz="1400" dirty="0">
-                <a:solidFill>
-                  <a:schemeClr val="tx1"/>
-                </a:solidFill>
-                <a:effectLst/>
-              </a:rPr>
-              <a:t>(assimilation </a:t>
-            </a:r>
-            <a:r>
-              <a:rPr lang="en-GB" sz="1400" dirty="0">
-                <a:solidFill>
-                  <a:schemeClr val="tx1"/>
-                </a:solidFill>
-              </a:rPr>
-              <a:t>source code)</a:t>
-            </a:r>
-          </a:p>
-          <a:p>
-            <a:pPr>
-              <a:buFont typeface="Arial" panose="020B0604020202020204" pitchFamily="34" charset="0"/>
-              <a:buChar char="•"/>
-            </a:pPr>
-            <a:r>
-              <a:rPr lang="en-GB" sz="1400" i="1" dirty="0">
-                <a:solidFill>
-                  <a:srgbClr val="000000"/>
-                </a:solidFill>
-                <a:effectLst/>
-              </a:rPr>
-              <a:t>/cluster/projects/nn9039k/</a:t>
-            </a:r>
-            <a:r>
-              <a:rPr lang="en-GB" sz="1400" i="1" dirty="0" err="1">
-                <a:solidFill>
-                  <a:srgbClr val="000000"/>
-                </a:solidFill>
-                <a:effectLst/>
-              </a:rPr>
-              <a:t>NorCPM</a:t>
-            </a:r>
-            <a:r>
-              <a:rPr lang="en-GB" sz="1400" i="1" dirty="0">
-                <a:solidFill>
-                  <a:srgbClr val="000000"/>
-                </a:solidFill>
-                <a:effectLst/>
-              </a:rPr>
-              <a:t>/</a:t>
-            </a:r>
-            <a:r>
-              <a:rPr lang="en-GB" sz="1400" i="1" dirty="0" err="1">
-                <a:solidFill>
-                  <a:srgbClr val="000000"/>
-                </a:solidFill>
-                <a:effectLst/>
-              </a:rPr>
-              <a:t>Obs</a:t>
-            </a:r>
-            <a:r>
-              <a:rPr lang="en-GB" sz="1400" i="1" dirty="0">
-                <a:solidFill>
-                  <a:srgbClr val="000000"/>
-                </a:solidFill>
-                <a:effectLst/>
               </a:rPr>
               <a:t> </a:t>
-            </a:r>
-            <a:r>
-              <a:rPr lang="en-GB" sz="1400" dirty="0">
-                <a:solidFill>
-                  <a:srgbClr val="000000"/>
-                </a:solidFill>
-                <a:effectLst/>
-              </a:rPr>
-              <a:t>(assimilation observations) </a:t>
             </a:r>
             <a:endParaRPr lang="en-NO" sz="500" dirty="0">
               <a:solidFill>
@@ -5094,7 +4847,20 @@
               <a:buFont typeface="Wingdings" pitchFamily="2" charset="2"/>
               <a:buChar char="Ø"/>
             </a:pPr>
-            <a:endParaRPr lang="en-NO" sz="500" dirty="0">
+            <a:r>
+              <a:rPr lang="en-NO" sz="2000" dirty="0">
+                <a:solidFill>
+                  <a:schemeClr val="tx1"/>
+                </a:solidFill>
+              </a:rPr>
+              <a:t>Flexibility to add mulitple models and assimilation schemes in a structured and organized manner </a:t>
+            </a:r>
+          </a:p>
+          <a:p>
+            <a:pPr marL="0" indent="0">
+              <a:buNone/>
+            </a:pPr>
+            <a:endParaRPr lang="en-NO" sz="1000" dirty="0">
               <a:solidFill>
                 <a:schemeClr val="tx1"/>
               </a:solidFill>
@@ -5111,34 +4877,145 @@
                   <a:schemeClr val="tx1"/>
                 </a:solidFill>
               </a:rPr>
-              <a:t>Many variants of assimilation code locally on Betzy</a:t>
-            </a:r>
-          </a:p>
-          <a:p>
-            <a:pPr marL="0" indent="0">
-              <a:buNone/>
+              <a:t>Rigerous logging of building and running the system (traceability, reproducability)</a:t>
+            </a:r>
+          </a:p>
+          <a:p>
+            <a:pPr>
+              <a:buFont typeface="Wingdings" pitchFamily="2" charset="2"/>
+              <a:buChar char="Ø"/>
             </a:pPr>
-            <a:endParaRPr lang="en-NO" sz="2000" dirty="0">
+            <a:endParaRPr lang="en-NO" sz="1000" dirty="0">
               <a:solidFill>
                 <a:schemeClr val="tx1"/>
               </a:solidFill>
             </a:endParaRPr>
           </a:p>
           <a:p>
+            <a:pPr>
+              <a:buFont typeface="Wingdings" pitchFamily="2" charset="2"/>
+              <a:buChar char="Ø"/>
+            </a:pPr>
+            <a:r>
+              <a:rPr lang="en-NO" sz="2000" dirty="0">
+                <a:solidFill>
+                  <a:schemeClr val="tx1"/>
+                </a:solidFill>
+              </a:rPr>
+              <a:t>Documentation: user-guide with examples for running NorCPM</a:t>
+            </a:r>
+          </a:p>
+          <a:p>
             <a:pPr marL="0" indent="0">
               <a:buNone/>
             </a:pPr>
-            <a:endParaRPr lang="en-NO" sz="2000" dirty="0">
+            <a:r>
+              <a:rPr lang="en-NO" sz="2000" i="1" dirty="0">
+                <a:solidFill>
+                  <a:schemeClr val="tx1"/>
+                </a:solidFill>
+                <a:effectLst/>
+              </a:rPr>
+              <a:t> </a:t>
+            </a:r>
+            <a:r>
+              <a:rPr lang="en-GB" sz="1800" i="1" dirty="0">
+                <a:solidFill>
+                  <a:srgbClr val="000000"/>
+                </a:solidFill>
+                <a:effectLst/>
+              </a:rPr>
+              <a:t>https://</a:t>
+            </a:r>
+            <a:r>
+              <a:rPr lang="en-GB" sz="1800" i="1" dirty="0" err="1">
+                <a:solidFill>
+                  <a:srgbClr val="000000"/>
+                </a:solidFill>
+                <a:effectLst/>
+              </a:rPr>
+              <a:t>github.com</a:t>
+            </a:r>
+            <a:r>
+              <a:rPr lang="en-GB" sz="1800" i="1" dirty="0">
+                <a:solidFill>
+                  <a:srgbClr val="000000"/>
+                </a:solidFill>
+                <a:effectLst/>
+              </a:rPr>
+              <a:t>/</a:t>
+            </a:r>
+            <a:r>
+              <a:rPr lang="en-GB" sz="1800" i="1" dirty="0" err="1">
+                <a:solidFill>
+                  <a:srgbClr val="000000"/>
+                </a:solidFill>
+                <a:effectLst/>
+              </a:rPr>
+              <a:t>BjerknesCPU</a:t>
+            </a:r>
+            <a:r>
+              <a:rPr lang="en-GB" sz="1800" i="1" dirty="0">
+                <a:solidFill>
+                  <a:srgbClr val="000000"/>
+                </a:solidFill>
+                <a:effectLst/>
+              </a:rPr>
+              <a:t>/</a:t>
+            </a:r>
+            <a:r>
+              <a:rPr lang="en-GB" sz="1800" i="1" dirty="0" err="1">
+                <a:solidFill>
+                  <a:srgbClr val="000000"/>
+                </a:solidFill>
+                <a:effectLst/>
+              </a:rPr>
+              <a:t>NorCPM</a:t>
+            </a:r>
+            <a:r>
+              <a:rPr lang="en-GB" sz="1800" i="1" dirty="0">
+                <a:solidFill>
+                  <a:srgbClr val="000000"/>
+                </a:solidFill>
+                <a:effectLst/>
+              </a:rPr>
+              <a:t>-CF</a:t>
+            </a:r>
+            <a:endParaRPr lang="en-GB" sz="1800" i="1" dirty="0">
               <a:solidFill>
                 <a:schemeClr val="tx1"/>
               </a:solidFill>
             </a:endParaRPr>
           </a:p>
           <a:p>
-            <a:pPr marL="0" indent="0">
+            <a:pPr>
+              <a:buFont typeface="Wingdings" pitchFamily="2" charset="2"/>
+              <a:buChar char="Ø"/>
+            </a:pPr>
+            <a:endParaRPr lang="en-GB" sz="1800" dirty="0">
+              <a:solidFill>
+                <a:srgbClr val="000000"/>
+              </a:solidFill>
+              <a:effectLst/>
+            </a:endParaRPr>
+          </a:p>
+          <a:p>
+            <a:pPr marL="174625" lvl="1" indent="0">
               <a:buNone/>
             </a:pPr>
-            <a:endParaRPr lang="en-NO" sz="2000" dirty="0">
+            <a:endParaRPr lang="en-GB" sz="1800" dirty="0">
+              <a:solidFill>
+                <a:srgbClr val="000000"/>
+              </a:solidFill>
+              <a:effectLst/>
+            </a:endParaRPr>
+          </a:p>
+          <a:p>
+            <a:pPr>
+              <a:buFont typeface="Wingdings" pitchFamily="2" charset="2"/>
+              <a:buChar char="Ø"/>
+            </a:pPr>
+            <a:endParaRPr lang="en-GB" sz="500" dirty="0">
               <a:solidFill>
                 <a:schemeClr val="tx1"/>
               </a:solidFill>
@@ -5148,183 +5025,14 @@
             <a:pPr marL="0" indent="0">
               <a:buNone/>
             </a:pPr>
-            <a:endParaRPr lang="en-NO" sz="2000" dirty="0">
+            <a:endParaRPr lang="en-NO" sz="1000" dirty="0">
               <a:solidFill>
                 <a:schemeClr val="tx1"/>
               </a:solidFill>
             </a:endParaRPr>
           </a:p>
-          <a:p>
-            <a:pPr marL="0" indent="0">
-              <a:buNone/>
-            </a:pPr>
-            <a:r>
-              <a:rPr lang="en-NO" sz="1000" dirty="0">
-                <a:solidFill>
-                  <a:schemeClr val="tx1"/>
-                </a:solidFill>
-              </a:rPr>
-              <a:t> </a:t>
-            </a:r>
-          </a:p>
-          <a:p>
-            <a:pPr marL="0" indent="0">
-              <a:buNone/>
-            </a:pPr>
-            <a:endParaRPr lang="en-NO" sz="500" dirty="0">
-              <a:solidFill>
-                <a:schemeClr val="tx1"/>
-              </a:solidFill>
-            </a:endParaRPr>
-          </a:p>
-          <a:p>
-            <a:pPr>
-              <a:buFont typeface="Wingdings" pitchFamily="2" charset="2"/>
-              <a:buChar char="Ø"/>
-            </a:pPr>
-            <a:r>
-              <a:rPr lang="en-NO" sz="2000" dirty="0">
-                <a:solidFill>
-                  <a:schemeClr val="tx1"/>
-                </a:solidFill>
-              </a:rPr>
-              <a:t>Limited technical documentation (some info on </a:t>
-            </a:r>
-            <a:r>
-              <a:rPr lang="en-GB" sz="2000" dirty="0" err="1">
-                <a:solidFill>
-                  <a:schemeClr val="tx1"/>
-                </a:solidFill>
-              </a:rPr>
-              <a:t>wiki.uib.no</a:t>
-            </a:r>
-            <a:r>
-              <a:rPr lang="en-GB" sz="2000" dirty="0">
-                <a:solidFill>
-                  <a:schemeClr val="tx1"/>
-                </a:solidFill>
-              </a:rPr>
-              <a:t>/</a:t>
-            </a:r>
-            <a:r>
-              <a:rPr lang="en-GB" sz="2000" dirty="0" err="1">
-                <a:solidFill>
-                  <a:schemeClr val="tx1"/>
-                </a:solidFill>
-              </a:rPr>
-              <a:t>norcpm</a:t>
-            </a:r>
-            <a:r>
-              <a:rPr lang="en-GB" sz="2000" dirty="0">
-                <a:solidFill>
-                  <a:schemeClr val="tx1"/>
-                </a:solidFill>
-              </a:rPr>
-              <a:t>)</a:t>
-            </a:r>
-            <a:r>
-              <a:rPr lang="en-NO" sz="2000" dirty="0">
-                <a:solidFill>
-                  <a:schemeClr val="tx1"/>
-                </a:solidFill>
-              </a:rPr>
-              <a:t>, no version control via git</a:t>
-            </a:r>
-            <a:endParaRPr lang="en-NO" sz="800" dirty="0">
-              <a:solidFill>
-                <a:schemeClr val="tx1"/>
-              </a:solidFill>
-            </a:endParaRPr>
-          </a:p>
-          <a:p>
-            <a:pPr marL="0" indent="0">
-              <a:buNone/>
-            </a:pPr>
-            <a:r>
-              <a:rPr lang="en-NO" sz="500" dirty="0">
-                <a:solidFill>
-                  <a:schemeClr val="tx1"/>
-                </a:solidFill>
-              </a:rPr>
-              <a:t> </a:t>
-            </a:r>
-          </a:p>
-          <a:p>
-            <a:pPr>
-              <a:buFont typeface="Wingdings" pitchFamily="2" charset="2"/>
-              <a:buChar char="Ø"/>
-            </a:pPr>
-            <a:r>
-              <a:rPr lang="en-NO" sz="2000" dirty="0">
-                <a:solidFill>
-                  <a:schemeClr val="tx1"/>
-                </a:solidFill>
-              </a:rPr>
-              <a:t>Lack of strategy/best-practice/governance for collaborative NorCPM development</a:t>
-            </a:r>
-            <a:endParaRPr lang="en-NO" sz="800" dirty="0">
-              <a:solidFill>
-                <a:schemeClr val="tx1"/>
-              </a:solidFill>
-            </a:endParaRPr>
-          </a:p>
-          <a:p>
-            <a:pPr>
-              <a:buFont typeface="Wingdings" pitchFamily="2" charset="2"/>
-              <a:buChar char="Ø"/>
-            </a:pPr>
-            <a:endParaRPr lang="en-NO" sz="500" dirty="0">
-              <a:solidFill>
-                <a:schemeClr val="tx1"/>
-              </a:solidFill>
-            </a:endParaRPr>
-          </a:p>
-          <a:p>
-            <a:pPr>
-              <a:buFont typeface="Wingdings" pitchFamily="2" charset="2"/>
-              <a:buChar char="Ø"/>
-            </a:pPr>
-            <a:r>
-              <a:rPr lang="en-NO" sz="2000" dirty="0">
-                <a:solidFill>
-                  <a:schemeClr val="tx1"/>
-                </a:solidFill>
-              </a:rPr>
-              <a:t>No user-guide, test suits, examples </a:t>
-            </a:r>
-          </a:p>
         </p:txBody>
       </p:sp>
-      <p:pic>
-        <p:nvPicPr>
-          <p:cNvPr id="5" name="Picture 4" descr="Text&#10;&#10;Description automatically generated">
-            <a:extLst>
-              <a:ext uri="{FF2B5EF4-FFF2-40B4-BE49-F238E27FC236}">
-                <a16:creationId xmlns:a16="http://schemas.microsoft.com/office/drawing/2014/main" id="{D46A87F3-1691-DFC6-F3DB-028FE9720250}"/>
-              </a:ext>
-            </a:extLst>
-          </p:cNvPr>
-          <p:cNvPicPr>
-            <a:picLocks noChangeAspect="1"/>
-          </p:cNvPicPr>
-          <p:nvPr/>
-        </p:nvPicPr>
-        <p:blipFill>
-          <a:blip r:embed="rId3"/>
-          <a:stretch>
-            <a:fillRect/>
-          </a:stretch>
-        </p:blipFill>
-        <p:spPr>
-          <a:xfrm>
-            <a:off x="533400" y="3595159"/>
-            <a:ext cx="8214360" cy="1607763"/>
-          </a:xfrm>
-          <a:prstGeom prst="rect">
-            <a:avLst/>
-          </a:prstGeom>
-        </p:spPr>
-      </p:pic>
       <p:sp>
         <p:nvSpPr>
           <p:cNvPr id="2" name="Title 1">
@@ -5344,7 +5052,7 @@
         <p:spPr>
           <a:xfrm>
             <a:off x="533400" y="658445"/>
-            <a:ext cx="10938691" cy="338554"/>
+            <a:ext cx="11781312" cy="338554"/>
           </a:xfrm>
         </p:spPr>
         <p:txBody>
@@ -5353,7 +5061,7 @@
           <a:p>
             <a:r>
               <a:rPr lang="en-NO" sz="2200" dirty="0"/>
-              <a:t>NorCPM classic</a:t>
+              <a:t>Features</a:t>
             </a:r>
           </a:p>
         </p:txBody>
@@ -5390,7 +5098,7 @@
     </p:spTree>
     <p:extLst>
       <p:ext uri="{BB962C8B-B14F-4D97-AF65-F5344CB8AC3E}">
-        <p14:creationId xmlns:p14="http://schemas.microsoft.com/office/powerpoint/2010/main" val="2094661635"/>
+        <p14:creationId xmlns:p14="http://schemas.microsoft.com/office/powerpoint/2010/main" val="2566222180"/>
       </p:ext>
     </p:extLst>
   </p:cSld>
@@ -5419,539 +5127,6 @@
       </p:grpSpPr>
       <p:sp>
         <p:nvSpPr>
-          <p:cNvPr id="3" name="Content Placeholder 2">
-            <a:extLst>
-              <a:ext uri="{FF2B5EF4-FFF2-40B4-BE49-F238E27FC236}">
-                <a16:creationId xmlns:a16="http://schemas.microsoft.com/office/drawing/2014/main" id="{E924D2CF-D65B-2043-E142-255DC1C37D77}"/>
-              </a:ext>
-            </a:extLst>
-          </p:cNvPr>
-          <p:cNvSpPr>
-            <a:spLocks noGrp="1"/>
-          </p:cNvSpPr>
-          <p:nvPr>
-            <p:ph idx="1"/>
-          </p:nvPr>
-        </p:nvSpPr>
-        <p:spPr>
-          <a:xfrm>
-            <a:off x="533400" y="1234799"/>
-            <a:ext cx="11366500" cy="5623201"/>
-          </a:xfrm>
-        </p:spPr>
-        <p:txBody>
-          <a:bodyPr>
-            <a:normAutofit/>
-          </a:bodyPr>
-          <a:lstStyle/>
-          <a:p>
-            <a:pPr>
-              <a:buFont typeface="Wingdings" pitchFamily="2" charset="2"/>
-              <a:buChar char="Ø"/>
-            </a:pPr>
-            <a:r>
-              <a:rPr lang="en-NO" sz="2000" dirty="0">
-                <a:solidFill>
-                  <a:schemeClr val="tx1"/>
-                </a:solidFill>
-              </a:rPr>
-              <a:t>NorCPM (NorESM+assimilation) code, scripts and settings in single git-repository </a:t>
-            </a:r>
-            <a:r>
-              <a:rPr lang="en-GB" sz="1800" i="1" dirty="0">
-                <a:solidFill>
-                  <a:srgbClr val="000000"/>
-                </a:solidFill>
-                <a:effectLst/>
-              </a:rPr>
-              <a:t>https://github.com/BjerknesCPU/</a:t>
-            </a:r>
-            <a:r>
-              <a:rPr lang="en-GB" sz="1800" i="1" dirty="0" err="1">
-                <a:solidFill>
-                  <a:srgbClr val="000000"/>
-                </a:solidFill>
-                <a:effectLst/>
-              </a:rPr>
-              <a:t>NorCPM</a:t>
-            </a:r>
-            <a:r>
-              <a:rPr lang="en-GB" sz="1800" i="1" dirty="0">
-                <a:solidFill>
-                  <a:srgbClr val="000000"/>
-                </a:solidFill>
-                <a:effectLst/>
-              </a:rPr>
-              <a:t>-CF</a:t>
-            </a:r>
-            <a:endParaRPr lang="en-GB" sz="1800" i="1" dirty="0">
-              <a:solidFill>
-                <a:schemeClr val="tx1"/>
-              </a:solidFill>
-            </a:endParaRPr>
-          </a:p>
-          <a:p>
-            <a:pPr marL="0" indent="0">
-              <a:buNone/>
-            </a:pPr>
-            <a:endParaRPr lang="en-GB" sz="1000" dirty="0">
-              <a:solidFill>
-                <a:schemeClr val="tx1"/>
-              </a:solidFill>
-            </a:endParaRPr>
-          </a:p>
-          <a:p>
-            <a:pPr>
-              <a:buFont typeface="Wingdings" pitchFamily="2" charset="2"/>
-              <a:buChar char="Ø"/>
-            </a:pPr>
-            <a:r>
-              <a:rPr lang="en-GB" sz="2000" dirty="0" err="1">
-                <a:solidFill>
-                  <a:schemeClr val="tx1"/>
-                </a:solidFill>
-              </a:rPr>
-              <a:t>NorCPM</a:t>
-            </a:r>
-            <a:r>
-              <a:rPr lang="en-GB" sz="2000" dirty="0">
-                <a:solidFill>
-                  <a:schemeClr val="tx1"/>
-                </a:solidFill>
-              </a:rPr>
-              <a:t> (</a:t>
-            </a:r>
-            <a:r>
-              <a:rPr lang="en-GB" sz="2000" dirty="0" err="1">
-                <a:solidFill>
-                  <a:schemeClr val="tx1"/>
-                </a:solidFill>
-              </a:rPr>
-              <a:t>NorESM+assimilation</a:t>
-            </a:r>
-            <a:r>
-              <a:rPr lang="en-GB" sz="2000" dirty="0">
-                <a:solidFill>
-                  <a:schemeClr val="tx1"/>
-                </a:solidFill>
-              </a:rPr>
-              <a:t>) input data in single location on </a:t>
-            </a:r>
-            <a:r>
-              <a:rPr lang="en-GB" sz="2000" dirty="0" err="1">
-                <a:solidFill>
-                  <a:schemeClr val="tx1"/>
-                </a:solidFill>
-              </a:rPr>
-              <a:t>Betzy</a:t>
-            </a:r>
-            <a:r>
-              <a:rPr lang="en-GB" sz="2000" dirty="0">
-                <a:solidFill>
-                  <a:schemeClr val="tx1"/>
-                </a:solidFill>
-              </a:rPr>
-              <a:t> </a:t>
-            </a:r>
-            <a:r>
-              <a:rPr lang="en-GB" sz="1800" i="1" dirty="0">
-                <a:solidFill>
-                  <a:srgbClr val="000000"/>
-                </a:solidFill>
-                <a:effectLst/>
-              </a:rPr>
-              <a:t>/cluster/shared/</a:t>
-            </a:r>
-            <a:r>
-              <a:rPr lang="en-GB" sz="1800" i="1" dirty="0" err="1">
-                <a:solidFill>
-                  <a:srgbClr val="000000"/>
-                </a:solidFill>
-                <a:effectLst/>
-              </a:rPr>
-              <a:t>noresm</a:t>
-            </a:r>
-            <a:r>
-              <a:rPr lang="en-GB" sz="1800" i="1" dirty="0">
-                <a:solidFill>
-                  <a:srgbClr val="000000"/>
-                </a:solidFill>
-                <a:effectLst/>
-              </a:rPr>
-              <a:t>/</a:t>
-            </a:r>
-            <a:r>
-              <a:rPr lang="en-GB" sz="1800" i="1" dirty="0" err="1">
-                <a:solidFill>
-                  <a:srgbClr val="000000"/>
-                </a:solidFill>
-                <a:effectLst/>
-              </a:rPr>
-              <a:t>inputdata</a:t>
-            </a:r>
-            <a:endParaRPr lang="en-NO" sz="1000" dirty="0">
-              <a:solidFill>
-                <a:schemeClr val="tx1"/>
-              </a:solidFill>
-            </a:endParaRPr>
-          </a:p>
-          <a:p>
-            <a:pPr marL="0" indent="0">
-              <a:buNone/>
-            </a:pPr>
-            <a:endParaRPr lang="en-NO" sz="1000" dirty="0">
-              <a:solidFill>
-                <a:schemeClr val="tx1"/>
-              </a:solidFill>
-            </a:endParaRPr>
-          </a:p>
-          <a:p>
-            <a:pPr>
-              <a:buFont typeface="Wingdings" pitchFamily="2" charset="2"/>
-              <a:buChar char="Ø"/>
-            </a:pPr>
-            <a:r>
-              <a:rPr lang="en-NO" sz="2000" dirty="0">
-                <a:solidFill>
-                  <a:schemeClr val="tx1"/>
-                </a:solidFill>
-              </a:rPr>
-              <a:t>Full experiment customization via setting files and command line options (allows better git-version control because scripts remain more “static”)</a:t>
-            </a:r>
-          </a:p>
-          <a:p>
-            <a:pPr>
-              <a:buFont typeface="Wingdings" pitchFamily="2" charset="2"/>
-              <a:buChar char="Ø"/>
-            </a:pPr>
-            <a:endParaRPr lang="en-NO" sz="1000" dirty="0">
-              <a:solidFill>
-                <a:schemeClr val="tx1"/>
-              </a:solidFill>
-            </a:endParaRPr>
-          </a:p>
-          <a:p>
-            <a:pPr>
-              <a:buFont typeface="Wingdings" pitchFamily="2" charset="2"/>
-              <a:buChar char="Ø"/>
-            </a:pPr>
-            <a:r>
-              <a:rPr lang="en-NO" sz="2000" dirty="0">
-                <a:solidFill>
-                  <a:schemeClr val="tx1"/>
-                </a:solidFill>
-              </a:rPr>
-              <a:t>Code compilation for each experiment (ensures consistency, traceability, portability) </a:t>
-            </a:r>
-          </a:p>
-          <a:p>
-            <a:pPr marL="0" indent="0">
-              <a:buNone/>
-            </a:pPr>
-            <a:r>
-              <a:rPr lang="en-NO" sz="1000" dirty="0">
-                <a:solidFill>
-                  <a:schemeClr val="tx1"/>
-                </a:solidFill>
-              </a:rPr>
-              <a:t> </a:t>
-            </a:r>
-            <a:endParaRPr lang="en-NO" sz="500" dirty="0">
-              <a:solidFill>
-                <a:schemeClr val="tx1"/>
-              </a:solidFill>
-            </a:endParaRPr>
-          </a:p>
-          <a:p>
-            <a:pPr>
-              <a:buFont typeface="Wingdings" pitchFamily="2" charset="2"/>
-              <a:buChar char="Ø"/>
-            </a:pPr>
-            <a:r>
-              <a:rPr lang="en-NO" sz="2000" dirty="0">
-                <a:solidFill>
-                  <a:schemeClr val="tx1"/>
-                </a:solidFill>
-              </a:rPr>
-              <a:t>Flexibility to add mulitple models and assimilation schemes in a structured and organized manner </a:t>
-            </a:r>
-          </a:p>
-          <a:p>
-            <a:pPr marL="0" indent="0">
-              <a:buNone/>
-            </a:pPr>
-            <a:endParaRPr lang="en-NO" sz="1000" dirty="0">
-              <a:solidFill>
-                <a:schemeClr val="tx1"/>
-              </a:solidFill>
-            </a:endParaRPr>
-          </a:p>
-          <a:p>
-            <a:pPr>
-              <a:buFont typeface="Wingdings" pitchFamily="2" charset="2"/>
-              <a:buChar char="Ø"/>
-            </a:pPr>
-            <a:r>
-              <a:rPr lang="en-NO" sz="2000" dirty="0">
-                <a:solidFill>
-                  <a:schemeClr val="tx1"/>
-                </a:solidFill>
-              </a:rPr>
-              <a:t>Rigerous logging of building and running the system (traceability, reproducability)</a:t>
-            </a:r>
-          </a:p>
-          <a:p>
-            <a:pPr>
-              <a:buFont typeface="Wingdings" pitchFamily="2" charset="2"/>
-              <a:buChar char="Ø"/>
-            </a:pPr>
-            <a:endParaRPr lang="en-NO" sz="1000" dirty="0">
-              <a:solidFill>
-                <a:schemeClr val="tx1"/>
-              </a:solidFill>
-            </a:endParaRPr>
-          </a:p>
-          <a:p>
-            <a:pPr>
-              <a:buFont typeface="Wingdings" pitchFamily="2" charset="2"/>
-              <a:buChar char="Ø"/>
-            </a:pPr>
-            <a:r>
-              <a:rPr lang="en-NO" sz="2000" dirty="0">
-                <a:solidFill>
-                  <a:schemeClr val="tx1"/>
-                </a:solidFill>
-              </a:rPr>
-              <a:t>Documentation: user-guide with examples for running NorCPM</a:t>
-            </a:r>
-          </a:p>
-          <a:p>
-            <a:pPr marL="0" indent="0">
-              <a:buNone/>
-            </a:pPr>
-            <a:r>
-              <a:rPr lang="en-NO" sz="2000" i="1" dirty="0">
-                <a:solidFill>
-                  <a:schemeClr val="tx1"/>
-                </a:solidFill>
-                <a:effectLst/>
-              </a:rPr>
-              <a:t> </a:t>
-            </a:r>
-            <a:r>
-              <a:rPr lang="en-GB" sz="1800" i="1" dirty="0">
-                <a:solidFill>
-                  <a:srgbClr val="000000"/>
-                </a:solidFill>
-                <a:effectLst/>
-              </a:rPr>
-              <a:t>https://</a:t>
-            </a:r>
-            <a:r>
-              <a:rPr lang="en-GB" sz="1800" i="1" dirty="0" err="1">
-                <a:solidFill>
-                  <a:srgbClr val="000000"/>
-                </a:solidFill>
-                <a:effectLst/>
-              </a:rPr>
-              <a:t>github.com</a:t>
-            </a:r>
-            <a:r>
-              <a:rPr lang="en-GB" sz="1800" i="1" dirty="0">
-                <a:solidFill>
-                  <a:srgbClr val="000000"/>
-                </a:solidFill>
-                <a:effectLst/>
-              </a:rPr>
-              <a:t>/</a:t>
-            </a:r>
-            <a:r>
-              <a:rPr lang="en-GB" sz="1800" i="1" dirty="0" err="1">
-                <a:solidFill>
-                  <a:srgbClr val="000000"/>
-                </a:solidFill>
-                <a:effectLst/>
-              </a:rPr>
-              <a:t>BjerknesCPU</a:t>
-            </a:r>
-            <a:r>
-              <a:rPr lang="en-GB" sz="1800" i="1" dirty="0">
-                <a:solidFill>
-                  <a:srgbClr val="000000"/>
-                </a:solidFill>
-                <a:effectLst/>
-              </a:rPr>
-              <a:t>/</a:t>
-            </a:r>
-            <a:r>
-              <a:rPr lang="en-GB" sz="1800" i="1" dirty="0" err="1">
-                <a:solidFill>
-                  <a:srgbClr val="000000"/>
-                </a:solidFill>
-                <a:effectLst/>
-              </a:rPr>
-              <a:t>NorCPM</a:t>
-            </a:r>
-            <a:r>
-              <a:rPr lang="en-GB" sz="1800" i="1" dirty="0">
-                <a:solidFill>
-                  <a:srgbClr val="000000"/>
-                </a:solidFill>
-                <a:effectLst/>
-              </a:rPr>
-              <a:t>-CF</a:t>
-            </a:r>
-            <a:endParaRPr lang="en-GB" sz="1800" i="1" dirty="0">
-              <a:solidFill>
-                <a:schemeClr val="tx1"/>
-              </a:solidFill>
-            </a:endParaRPr>
-          </a:p>
-          <a:p>
-            <a:pPr>
-              <a:buFont typeface="Wingdings" pitchFamily="2" charset="2"/>
-              <a:buChar char="Ø"/>
-            </a:pPr>
-            <a:endParaRPr lang="en-GB" sz="1800" dirty="0">
-              <a:solidFill>
-                <a:srgbClr val="000000"/>
-              </a:solidFill>
-              <a:effectLst/>
-            </a:endParaRPr>
-          </a:p>
-          <a:p>
-            <a:pPr marL="174625" lvl="1" indent="0">
-              <a:buNone/>
-            </a:pPr>
-            <a:endParaRPr lang="en-GB" sz="1800" dirty="0">
-              <a:solidFill>
-                <a:srgbClr val="000000"/>
-              </a:solidFill>
-              <a:effectLst/>
-            </a:endParaRPr>
-          </a:p>
-          <a:p>
-            <a:pPr>
-              <a:buFont typeface="Wingdings" pitchFamily="2" charset="2"/>
-              <a:buChar char="Ø"/>
-            </a:pPr>
-            <a:endParaRPr lang="en-GB" sz="500" dirty="0">
-              <a:solidFill>
-                <a:schemeClr val="tx1"/>
-              </a:solidFill>
-            </a:endParaRPr>
-          </a:p>
-          <a:p>
-            <a:pPr marL="0" indent="0">
-              <a:buNone/>
-            </a:pPr>
-            <a:endParaRPr lang="en-NO" sz="1000" dirty="0">
-              <a:solidFill>
-                <a:schemeClr val="tx1"/>
-              </a:solidFill>
-            </a:endParaRPr>
-          </a:p>
-        </p:txBody>
-      </p:sp>
-      <p:sp>
-        <p:nvSpPr>
-          <p:cNvPr id="2" name="Title 1">
-            <a:extLst>
-              <a:ext uri="{FF2B5EF4-FFF2-40B4-BE49-F238E27FC236}">
-                <a16:creationId xmlns:a16="http://schemas.microsoft.com/office/drawing/2014/main" id="{7F420939-91E1-E573-F0BD-AD2B47A07E8B}"/>
-              </a:ext>
-            </a:extLst>
-          </p:cNvPr>
-          <p:cNvSpPr>
-            <a:spLocks noGrp="1"/>
-          </p:cNvSpPr>
-          <p:nvPr>
-            <p:ph type="title"/>
-          </p:nvPr>
-        </p:nvSpPr>
-        <p:spPr>
-          <a:xfrm>
-            <a:off x="533400" y="658445"/>
-            <a:ext cx="11781312" cy="338554"/>
-          </a:xfrm>
-        </p:spPr>
-        <p:txBody>
-          <a:bodyPr/>
-          <a:lstStyle/>
-          <a:p>
-            <a:r>
-              <a:rPr lang="en-NO" sz="2200" dirty="0"/>
-              <a:t>NorCPM-CF  </a:t>
-            </a:r>
-            <a:r>
-              <a:rPr lang="en-US" sz="2200" dirty="0"/>
-              <a:t> </a:t>
-            </a:r>
-            <a:endParaRPr lang="en-NO" sz="2200" dirty="0"/>
-          </a:p>
-        </p:txBody>
-      </p:sp>
-      <p:sp>
-        <p:nvSpPr>
-          <p:cNvPr id="4" name="Slide Number Placeholder 3">
-            <a:extLst>
-              <a:ext uri="{FF2B5EF4-FFF2-40B4-BE49-F238E27FC236}">
-                <a16:creationId xmlns:a16="http://schemas.microsoft.com/office/drawing/2014/main" id="{D5A6990E-F9BC-87DA-F948-9DD3F0158590}"/>
-              </a:ext>
-            </a:extLst>
-          </p:cNvPr>
-          <p:cNvSpPr>
-            <a:spLocks noGrp="1"/>
-          </p:cNvSpPr>
-          <p:nvPr>
-            <p:ph type="sldNum" sz="quarter" idx="12"/>
-          </p:nvPr>
-        </p:nvSpPr>
-        <p:spPr/>
-        <p:txBody>
-          <a:bodyPr/>
-          <a:lstStyle/>
-          <a:p>
-            <a:fld id="{0AE548F1-6D36-4902-B57A-69A845AA9B7E}" type="slidenum">
-              <a:rPr lang="nb-NO" smtClean="0"/>
-              <a:t>3</a:t>
-            </a:fld>
-            <a:endParaRPr lang="nb-NO"/>
-          </a:p>
-        </p:txBody>
-      </p:sp>
-    </p:spTree>
-    <p:extLst>
-      <p:ext uri="{BB962C8B-B14F-4D97-AF65-F5344CB8AC3E}">
-        <p14:creationId xmlns:p14="http://schemas.microsoft.com/office/powerpoint/2010/main" val="2566222180"/>
-      </p:ext>
-    </p:extLst>
-  </p:cSld>
-  <p:clrMapOvr>
-    <a:masterClrMapping/>
-  </p:clrMapOvr>
-</p:sld>
-</file>
-
-<file path=ppt/slides/slide4.xml><?xml version="1.0" encoding="utf-8"?>
-<p:sld xmlns:a="http://schemas.openxmlformats.org/drawingml/2006/main" xmlns:r="http://schemas.openxmlformats.org/officeDocument/2006/relationships" xmlns:p="http://schemas.openxmlformats.org/presentationml/2006/main">
-  <p:cSld>
-    <p:spTree>
-      <p:nvGrpSpPr>
-        <p:cNvPr id="1" name=""/>
-        <p:cNvGrpSpPr/>
-        <p:nvPr/>
-      </p:nvGrpSpPr>
-      <p:grpSpPr>
-        <a:xfrm>
-          <a:off x="0" y="0"/>
-          <a:ext cx="0" cy="0"/>
-          <a:chOff x="0" y="0"/>
-          <a:chExt cx="0" cy="0"/>
-        </a:xfrm>
-      </p:grpSpPr>
-      <p:sp>
-        <p:nvSpPr>
           <p:cNvPr id="12" name="TextBox 11">
             <a:extLst>
               <a:ext uri="{FF2B5EF4-FFF2-40B4-BE49-F238E27FC236}">
@@ -6160,15 +5335,7 @@
             </a:pPr>
             <a:r>
               <a:rPr lang="en-GB" dirty="0"/>
-              <a:t>full integration with </a:t>
-            </a:r>
-            <a:r>
-              <a:rPr lang="en-GB" dirty="0" err="1"/>
-              <a:t>NorESM</a:t>
-            </a:r>
-            <a:r>
-              <a:rPr lang="en-GB" dirty="0"/>
-              <a:t>; structure suitable for use with NorESM2 and later versions   </a:t>
+              <a:t>suitable for use with NorESM1, NorESM2 and later versions   </a:t>
             </a:r>
             <a:r>
               <a:rPr lang="en-NO" dirty="0"/>
@@ -6958,7 +6125,7 @@
         <p:spPr>
           <a:xfrm>
             <a:off x="2276013" y="3494656"/>
-            <a:ext cx="1107996" cy="1985159"/>
+            <a:ext cx="761747" cy="1985159"/>
           </a:xfrm>
           <a:prstGeom prst="rect">
             <a:avLst/>
@@ -7065,7 +6232,7 @@
                 </a:solidFill>
                 <a:latin typeface="Menlo" panose="020B0609030804020204" pitchFamily="49" charset="0"/>
               </a:rPr>
-              <a:t>models</a:t>
+              <a:t>model</a:t>
             </a:r>
             <a:endParaRPr lang="en-GB" sz="1500" b="1" dirty="0">
               <a:solidFill>
@@ -7081,11 +6248,17 @@
                 <a:solidFill>
                   <a:srgbClr val="00B050"/>
                 </a:solidFill>
-                <a:effectLst/>
-                <a:latin typeface="Menlo" panose="020B0609030804020204" pitchFamily="49" charset="0"/>
-              </a:rPr>
-              <a:t>ensemble</a:t>
-            </a:r>
+                <a:latin typeface="Menlo" panose="020B0609030804020204" pitchFamily="49" charset="0"/>
+              </a:rPr>
+              <a:t>setup</a:t>
+            </a:r>
+            <a:endParaRPr lang="en-GB" sz="1500" b="1" i="1" dirty="0">
+              <a:solidFill>
+                <a:srgbClr val="00B050"/>
+              </a:solidFill>
+              <a:effectLst/>
+              <a:latin typeface="Menlo" panose="020B0609030804020204" pitchFamily="49" charset="0"/>
+            </a:endParaRPr>
           </a:p>
           <a:p>
             <a:r>
@@ -7907,7 +7080,7 @@
         </p:nvCxnSpPr>
         <p:spPr>
           <a:xfrm>
-            <a:off x="4472265" y="3057745"/>
+            <a:off x="4468715" y="2860676"/>
             <a:ext cx="253321" cy="0"/>
           </a:xfrm>
           <a:prstGeom prst="straightConnector1">
@@ -8270,7 +7443,7 @@
           <a:p>
             <a:fld id="{0AE548F1-6D36-4902-B57A-69A845AA9B7E}" type="slidenum">
               <a:rPr lang="nb-NO" smtClean="0"/>
-              <a:t>4</a:t>
+              <a:t>3</a:t>
             </a:fld>
             <a:endParaRPr lang="nb-NO"/>
           </a:p>
@@ -8280,6 +7453,631 @@
     <p:extLst>
       <p:ext uri="{BB962C8B-B14F-4D97-AF65-F5344CB8AC3E}">
         <p14:creationId xmlns:p14="http://schemas.microsoft.com/office/powerpoint/2010/main" val="3308765497"/>
+      </p:ext>
+    </p:extLst>
+  </p:cSld>
+  <p:clrMapOvr>
+    <a:masterClrMapping/>
+  </p:clrMapOvr>
+</p:sld>
+</file>
+
+<file path=ppt/slides/slide4.xml><?xml version="1.0" encoding="utf-8"?>
+<p:sld xmlns:a="http://schemas.openxmlformats.org/drawingml/2006/main" xmlns:r="http://schemas.openxmlformats.org/officeDocument/2006/relationships" xmlns:p="http://schemas.openxmlformats.org/presentationml/2006/main">
+  <p:cSld>
+    <p:spTree>
+      <p:nvGrpSpPr>
+        <p:cNvPr id="1" name=""/>
+        <p:cNvGrpSpPr/>
+        <p:nvPr/>
+      </p:nvGrpSpPr>
+      <p:grpSpPr>
+        <a:xfrm>
+          <a:off x="0" y="0"/>
+          <a:ext cx="0" cy="0"/>
+          <a:chOff x="0" y="0"/>
+          <a:chExt cx="0" cy="0"/>
+        </a:xfrm>
+      </p:grpSpPr>
+      <p:sp>
+        <p:nvSpPr>
+          <p:cNvPr id="5" name="TextBox 4">
+            <a:extLst>
+              <a:ext uri="{FF2B5EF4-FFF2-40B4-BE49-F238E27FC236}">
+                <a16:creationId xmlns:a16="http://schemas.microsoft.com/office/drawing/2014/main" id="{401E7156-5D76-D08F-1E7B-C5BE269A4CD4}"/>
+              </a:ext>
+            </a:extLst>
+          </p:cNvPr>
+          <p:cNvSpPr txBox="1"/>
+          <p:nvPr/>
+        </p:nvSpPr>
+        <p:spPr>
+          <a:xfrm>
+            <a:off x="490889" y="1431911"/>
+            <a:ext cx="11167711" cy="3580598"/>
+          </a:xfrm>
+          <a:prstGeom prst="rect">
+            <a:avLst/>
+          </a:prstGeom>
+          <a:noFill/>
+          <a:ln>
+            <a:solidFill>
+              <a:schemeClr val="tx1"/>
+            </a:solidFill>
+          </a:ln>
+        </p:spPr>
+        <p:txBody>
+          <a:bodyPr wrap="square" rtlCol="0">
+            <a:spAutoFit/>
+          </a:bodyPr>
+          <a:lstStyle/>
+          <a:p>
+            <a:endParaRPr lang="en-NO" dirty="0"/>
+          </a:p>
+        </p:txBody>
+      </p:sp>
+      <p:sp>
+        <p:nvSpPr>
+          <p:cNvPr id="3" name="Content Placeholder 2">
+            <a:extLst>
+              <a:ext uri="{FF2B5EF4-FFF2-40B4-BE49-F238E27FC236}">
+                <a16:creationId xmlns:a16="http://schemas.microsoft.com/office/drawing/2014/main" id="{E924D2CF-D65B-2043-E142-255DC1C37D77}"/>
+              </a:ext>
+            </a:extLst>
+          </p:cNvPr>
+          <p:cNvSpPr>
+            <a:spLocks noGrp="1"/>
+          </p:cNvSpPr>
+          <p:nvPr>
+            <p:ph idx="1"/>
+          </p:nvPr>
+        </p:nvSpPr>
+        <p:spPr>
+          <a:xfrm>
+            <a:off x="533400" y="1234799"/>
+            <a:ext cx="11366500" cy="5623201"/>
+          </a:xfrm>
+        </p:spPr>
+        <p:txBody>
+          <a:bodyPr>
+            <a:normAutofit/>
+          </a:bodyPr>
+          <a:lstStyle/>
+          <a:p>
+            <a:pPr marL="0" indent="0">
+              <a:buNone/>
+            </a:pPr>
+            <a:endParaRPr lang="en-GB" sz="1600" b="0" i="0" u="none" strike="noStrike" dirty="0">
+              <a:solidFill>
+                <a:srgbClr val="1F2328"/>
+              </a:solidFill>
+              <a:effectLst/>
+            </a:endParaRPr>
+          </a:p>
+          <a:p>
+            <a:pPr marL="0" indent="0">
+              <a:buNone/>
+            </a:pPr>
+            <a:r>
+              <a:rPr lang="en-GB" sz="1800" b="0" i="0" u="none" strike="noStrike" dirty="0">
+                <a:solidFill>
+                  <a:srgbClr val="1F2328"/>
+                </a:solidFill>
+                <a:effectLst/>
+              </a:rPr>
+              <a:t>Install </a:t>
+            </a:r>
+            <a:r>
+              <a:rPr lang="en-GB" sz="1800" b="0" i="0" u="none" strike="noStrike" dirty="0" err="1">
+                <a:solidFill>
+                  <a:srgbClr val="1F2328"/>
+                </a:solidFill>
+                <a:effectLst/>
+              </a:rPr>
+              <a:t>NorCPM</a:t>
+            </a:r>
+            <a:r>
+              <a:rPr lang="en-GB" sz="1800" b="0" i="0" u="none" strike="noStrike" dirty="0">
+                <a:solidFill>
+                  <a:srgbClr val="1F2328"/>
+                </a:solidFill>
+                <a:effectLst/>
+              </a:rPr>
+              <a:t>-CF in the nn9039k project space </a:t>
+            </a:r>
+          </a:p>
+          <a:p>
+            <a:pPr marL="174625" lvl="1" indent="0">
+              <a:buNone/>
+            </a:pPr>
+            <a:endParaRPr lang="en-GB" sz="500" dirty="0">
+              <a:solidFill>
+                <a:schemeClr val="tx1"/>
+              </a:solidFill>
+              <a:latin typeface="Menlo" panose="020B0609030804020204" pitchFamily="49" charset="0"/>
+              <a:ea typeface="Menlo" panose="020B0609030804020204" pitchFamily="49" charset="0"/>
+              <a:cs typeface="Menlo" panose="020B0609030804020204" pitchFamily="49" charset="0"/>
+            </a:endParaRPr>
+          </a:p>
+          <a:p>
+            <a:pPr marL="174625" lvl="1" indent="0">
+              <a:buNone/>
+            </a:pPr>
+            <a:r>
+              <a:rPr lang="en-GB" sz="1500" dirty="0" err="1">
+                <a:solidFill>
+                  <a:schemeClr val="tx1"/>
+                </a:solidFill>
+                <a:latin typeface="Menlo" panose="020B0609030804020204" pitchFamily="49" charset="0"/>
+                <a:ea typeface="Menlo" panose="020B0609030804020204" pitchFamily="49" charset="0"/>
+                <a:cs typeface="Menlo" panose="020B0609030804020204" pitchFamily="49" charset="0"/>
+              </a:rPr>
+              <a:t>mkdir</a:t>
+            </a:r>
+            <a:r>
+              <a:rPr lang="en-GB" sz="1500" dirty="0">
+                <a:solidFill>
+                  <a:schemeClr val="tx1"/>
+                </a:solidFill>
+                <a:latin typeface="Menlo" panose="020B0609030804020204" pitchFamily="49" charset="0"/>
+                <a:ea typeface="Menlo" panose="020B0609030804020204" pitchFamily="49" charset="0"/>
+                <a:cs typeface="Menlo" panose="020B0609030804020204" pitchFamily="49" charset="0"/>
+              </a:rPr>
+              <a:t> -p /cluster/projects/nn9039k/people/$USER </a:t>
+            </a:r>
+          </a:p>
+          <a:p>
+            <a:pPr marL="174625" lvl="1" indent="0">
+              <a:buNone/>
+            </a:pPr>
+            <a:r>
+              <a:rPr lang="en-GB" sz="1500" dirty="0">
+                <a:solidFill>
+                  <a:schemeClr val="tx1"/>
+                </a:solidFill>
+                <a:latin typeface="Menlo" panose="020B0609030804020204" pitchFamily="49" charset="0"/>
+                <a:ea typeface="Menlo" panose="020B0609030804020204" pitchFamily="49" charset="0"/>
+                <a:cs typeface="Menlo" panose="020B0609030804020204" pitchFamily="49" charset="0"/>
+              </a:rPr>
+              <a:t>cd /cluster/projects/nn9039k/people/$USER </a:t>
+            </a:r>
+          </a:p>
+          <a:p>
+            <a:pPr marL="174625" lvl="1" indent="0">
+              <a:buNone/>
+            </a:pPr>
+            <a:r>
+              <a:rPr lang="en-GB" sz="1500" dirty="0">
+                <a:solidFill>
+                  <a:schemeClr val="tx1"/>
+                </a:solidFill>
+                <a:latin typeface="Menlo" panose="020B0609030804020204" pitchFamily="49" charset="0"/>
+                <a:ea typeface="Menlo" panose="020B0609030804020204" pitchFamily="49" charset="0"/>
+                <a:cs typeface="Menlo" panose="020B0609030804020204" pitchFamily="49" charset="0"/>
+              </a:rPr>
+              <a:t>git clone ssh://</a:t>
+            </a:r>
+            <a:r>
+              <a:rPr lang="en-GB" sz="1500" dirty="0" err="1">
+                <a:solidFill>
+                  <a:schemeClr val="tx1"/>
+                </a:solidFill>
+                <a:latin typeface="Menlo" panose="020B0609030804020204" pitchFamily="49" charset="0"/>
+                <a:ea typeface="Menlo" panose="020B0609030804020204" pitchFamily="49" charset="0"/>
+                <a:cs typeface="Menlo" panose="020B0609030804020204" pitchFamily="49" charset="0"/>
+              </a:rPr>
+              <a:t>git@github.com</a:t>
+            </a:r>
+            <a:r>
+              <a:rPr lang="en-GB" sz="1500" dirty="0">
+                <a:solidFill>
+                  <a:schemeClr val="tx1"/>
+                </a:solidFill>
+                <a:latin typeface="Menlo" panose="020B0609030804020204" pitchFamily="49" charset="0"/>
+                <a:ea typeface="Menlo" panose="020B0609030804020204" pitchFamily="49" charset="0"/>
+                <a:cs typeface="Menlo" panose="020B0609030804020204" pitchFamily="49" charset="0"/>
+              </a:rPr>
+              <a:t>/</a:t>
+            </a:r>
+            <a:r>
+              <a:rPr lang="en-GB" sz="1500" dirty="0" err="1">
+                <a:solidFill>
+                  <a:schemeClr val="tx1"/>
+                </a:solidFill>
+                <a:latin typeface="Menlo" panose="020B0609030804020204" pitchFamily="49" charset="0"/>
+                <a:ea typeface="Menlo" panose="020B0609030804020204" pitchFamily="49" charset="0"/>
+                <a:cs typeface="Menlo" panose="020B0609030804020204" pitchFamily="49" charset="0"/>
+              </a:rPr>
+              <a:t>BjerknesCPU</a:t>
+            </a:r>
+            <a:r>
+              <a:rPr lang="en-GB" sz="1500" dirty="0">
+                <a:solidFill>
+                  <a:schemeClr val="tx1"/>
+                </a:solidFill>
+                <a:latin typeface="Menlo" panose="020B0609030804020204" pitchFamily="49" charset="0"/>
+                <a:ea typeface="Menlo" panose="020B0609030804020204" pitchFamily="49" charset="0"/>
+                <a:cs typeface="Menlo" panose="020B0609030804020204" pitchFamily="49" charset="0"/>
+              </a:rPr>
+              <a:t>/</a:t>
+            </a:r>
+            <a:r>
+              <a:rPr lang="en-GB" sz="1500" dirty="0" err="1">
+                <a:solidFill>
+                  <a:schemeClr val="tx1"/>
+                </a:solidFill>
+                <a:latin typeface="Menlo" panose="020B0609030804020204" pitchFamily="49" charset="0"/>
+                <a:ea typeface="Menlo" panose="020B0609030804020204" pitchFamily="49" charset="0"/>
+                <a:cs typeface="Menlo" panose="020B0609030804020204" pitchFamily="49" charset="0"/>
+              </a:rPr>
+              <a:t>NorCPM-CF.git</a:t>
+            </a:r>
+            <a:r>
+              <a:rPr lang="en-GB" sz="1500" dirty="0">
+                <a:solidFill>
+                  <a:schemeClr val="tx1"/>
+                </a:solidFill>
+                <a:latin typeface="Menlo" panose="020B0609030804020204" pitchFamily="49" charset="0"/>
+                <a:ea typeface="Menlo" panose="020B0609030804020204" pitchFamily="49" charset="0"/>
+                <a:cs typeface="Menlo" panose="020B0609030804020204" pitchFamily="49" charset="0"/>
+              </a:rPr>
+              <a:t> </a:t>
+            </a:r>
+            <a:r>
+              <a:rPr lang="en-GB" sz="1500" dirty="0" err="1">
+                <a:solidFill>
+                  <a:schemeClr val="tx1"/>
+                </a:solidFill>
+                <a:latin typeface="Menlo" panose="020B0609030804020204" pitchFamily="49" charset="0"/>
+                <a:ea typeface="Menlo" panose="020B0609030804020204" pitchFamily="49" charset="0"/>
+                <a:cs typeface="Menlo" panose="020B0609030804020204" pitchFamily="49" charset="0"/>
+              </a:rPr>
+              <a:t>NorCPM</a:t>
+            </a:r>
+            <a:r>
+              <a:rPr lang="en-GB" sz="1500" dirty="0">
+                <a:solidFill>
+                  <a:schemeClr val="tx1"/>
+                </a:solidFill>
+                <a:latin typeface="Menlo" panose="020B0609030804020204" pitchFamily="49" charset="0"/>
+                <a:ea typeface="Menlo" panose="020B0609030804020204" pitchFamily="49" charset="0"/>
+                <a:cs typeface="Menlo" panose="020B0609030804020204" pitchFamily="49" charset="0"/>
+              </a:rPr>
+              <a:t>-CF</a:t>
+            </a:r>
+          </a:p>
+          <a:p>
+            <a:pPr marL="174625" lvl="1" indent="0">
+              <a:buNone/>
+            </a:pPr>
+            <a:endParaRPr lang="en-GB" dirty="0">
+              <a:solidFill>
+                <a:schemeClr val="tx1"/>
+              </a:solidFill>
+              <a:latin typeface="Menlo" panose="020B0609030804020204" pitchFamily="49" charset="0"/>
+              <a:ea typeface="Menlo" panose="020B0609030804020204" pitchFamily="49" charset="0"/>
+              <a:cs typeface="Menlo" panose="020B0609030804020204" pitchFamily="49" charset="0"/>
+            </a:endParaRPr>
+          </a:p>
+          <a:p>
+            <a:pPr marL="0" indent="0">
+              <a:buNone/>
+            </a:pPr>
+            <a:r>
+              <a:rPr lang="en-GB" sz="1800" dirty="0">
+                <a:solidFill>
+                  <a:schemeClr val="tx1"/>
+                </a:solidFill>
+                <a:ea typeface="Menlo" panose="020B0609030804020204" pitchFamily="49" charset="0"/>
+                <a:cs typeface="Menlo" panose="020B0609030804020204" pitchFamily="49" charset="0"/>
+              </a:rPr>
+              <a:t>Set up a NorESM1-ME assimilation test experiment with 4 members</a:t>
+            </a:r>
+          </a:p>
+          <a:p>
+            <a:pPr marL="174625" lvl="1" indent="0">
+              <a:buNone/>
+            </a:pPr>
+            <a:endParaRPr lang="en-GB" sz="500" dirty="0">
+              <a:solidFill>
+                <a:schemeClr val="tx1"/>
+              </a:solidFill>
+              <a:latin typeface="Menlo" panose="020B0609030804020204" pitchFamily="49" charset="0"/>
+              <a:ea typeface="Menlo" panose="020B0609030804020204" pitchFamily="49" charset="0"/>
+              <a:cs typeface="Menlo" panose="020B0609030804020204" pitchFamily="49" charset="0"/>
+            </a:endParaRPr>
+          </a:p>
+          <a:p>
+            <a:pPr marL="174625" lvl="1" indent="0">
+              <a:buNone/>
+            </a:pPr>
+            <a:r>
+              <a:rPr lang="en-GB" sz="1500" dirty="0">
+                <a:solidFill>
+                  <a:schemeClr val="tx1"/>
+                </a:solidFill>
+                <a:latin typeface="Menlo" panose="020B0609030804020204" pitchFamily="49" charset="0"/>
+                <a:ea typeface="Menlo" panose="020B0609030804020204" pitchFamily="49" charset="0"/>
+                <a:cs typeface="Menlo" panose="020B0609030804020204" pitchFamily="49" charset="0"/>
+              </a:rPr>
+              <a:t>cd /cluster/projects/nn9039k/people/$USER/</a:t>
+            </a:r>
+            <a:r>
+              <a:rPr lang="en-GB" sz="1500" dirty="0" err="1">
+                <a:solidFill>
+                  <a:schemeClr val="tx1"/>
+                </a:solidFill>
+                <a:latin typeface="Menlo" panose="020B0609030804020204" pitchFamily="49" charset="0"/>
+                <a:ea typeface="Menlo" panose="020B0609030804020204" pitchFamily="49" charset="0"/>
+                <a:cs typeface="Menlo" panose="020B0609030804020204" pitchFamily="49" charset="0"/>
+              </a:rPr>
+              <a:t>NorCPM</a:t>
+            </a:r>
+            <a:r>
+              <a:rPr lang="en-GB" sz="1500" dirty="0">
+                <a:solidFill>
+                  <a:schemeClr val="tx1"/>
+                </a:solidFill>
+                <a:latin typeface="Menlo" panose="020B0609030804020204" pitchFamily="49" charset="0"/>
+                <a:ea typeface="Menlo" panose="020B0609030804020204" pitchFamily="49" charset="0"/>
+                <a:cs typeface="Menlo" panose="020B0609030804020204" pitchFamily="49" charset="0"/>
+              </a:rPr>
+              <a:t>-CF/setup/noresm1</a:t>
+            </a:r>
+          </a:p>
+          <a:p>
+            <a:pPr marL="174625" lvl="1" indent="0">
+              <a:buNone/>
+            </a:pPr>
+            <a:r>
+              <a:rPr lang="en-GB" sz="1500" dirty="0">
+                <a:solidFill>
+                  <a:schemeClr val="tx1"/>
+                </a:solidFill>
+                <a:latin typeface="Menlo" panose="020B0609030804020204" pitchFamily="49" charset="0"/>
+                <a:ea typeface="Menlo" panose="020B0609030804020204" pitchFamily="49" charset="0"/>
+                <a:cs typeface="Menlo" panose="020B0609030804020204" pitchFamily="49" charset="0"/>
+              </a:rPr>
+              <a:t>./</a:t>
+            </a:r>
+            <a:r>
+              <a:rPr lang="en-GB" sz="1500" dirty="0" err="1">
+                <a:solidFill>
+                  <a:schemeClr val="tx1"/>
+                </a:solidFill>
+                <a:latin typeface="Menlo" panose="020B0609030804020204" pitchFamily="49" charset="0"/>
+                <a:ea typeface="Menlo" panose="020B0609030804020204" pitchFamily="49" charset="0"/>
+                <a:cs typeface="Menlo" panose="020B0609030804020204" pitchFamily="49" charset="0"/>
+              </a:rPr>
+              <a:t>ensemble_experiment.sh</a:t>
+            </a:r>
+            <a:r>
+              <a:rPr lang="en-GB" sz="1500" dirty="0">
+                <a:solidFill>
+                  <a:schemeClr val="tx1"/>
+                </a:solidFill>
+                <a:latin typeface="Menlo" panose="020B0609030804020204" pitchFamily="49" charset="0"/>
+                <a:ea typeface="Menlo" panose="020B0609030804020204" pitchFamily="49" charset="0"/>
+                <a:cs typeface="Menlo" panose="020B0609030804020204" pitchFamily="49" charset="0"/>
+              </a:rPr>
+              <a:t> settings/</a:t>
+            </a:r>
+            <a:r>
+              <a:rPr lang="en-GB" sz="1500" dirty="0">
+                <a:solidFill>
+                  <a:schemeClr val="tx1"/>
+                </a:solidFill>
+                <a:effectLst/>
+                <a:latin typeface="Menlo" panose="020B0609030804020204" pitchFamily="49" charset="0"/>
+              </a:rPr>
+              <a:t>norcpm-cf-system1_assimtest_19811115.sh</a:t>
+            </a:r>
+            <a:endParaRPr lang="en-GB" sz="1500" dirty="0">
+              <a:solidFill>
+                <a:schemeClr val="tx1"/>
+              </a:solidFill>
+              <a:effectLst/>
+              <a:latin typeface="Menlo" panose="020B0609030804020204" pitchFamily="49" charset="0"/>
+              <a:ea typeface="Menlo" panose="020B0609030804020204" pitchFamily="49" charset="0"/>
+              <a:cs typeface="Menlo" panose="020B0609030804020204" pitchFamily="49" charset="0"/>
+            </a:endParaRPr>
+          </a:p>
+          <a:p>
+            <a:pPr marL="174625" lvl="1" indent="0">
+              <a:buNone/>
+            </a:pPr>
+            <a:endParaRPr lang="en-GB" dirty="0">
+              <a:solidFill>
+                <a:schemeClr val="tx1"/>
+              </a:solidFill>
+              <a:latin typeface="Menlo" panose="020B0609030804020204" pitchFamily="49" charset="0"/>
+              <a:ea typeface="Menlo" panose="020B0609030804020204" pitchFamily="49" charset="0"/>
+              <a:cs typeface="Menlo" panose="020B0609030804020204" pitchFamily="49" charset="0"/>
+            </a:endParaRPr>
+          </a:p>
+          <a:p>
+            <a:pPr marL="0" indent="0">
+              <a:buNone/>
+            </a:pPr>
+            <a:r>
+              <a:rPr lang="en-GB" sz="1800" dirty="0">
+                <a:solidFill>
+                  <a:schemeClr val="tx1"/>
+                </a:solidFill>
+                <a:ea typeface="Menlo" panose="020B0609030804020204" pitchFamily="49" charset="0"/>
+                <a:cs typeface="Menlo" panose="020B0609030804020204" pitchFamily="49" charset="0"/>
+              </a:rPr>
+              <a:t>Submit experiment </a:t>
+            </a:r>
+          </a:p>
+          <a:p>
+            <a:pPr marL="174625" lvl="1" indent="0">
+              <a:buNone/>
+            </a:pPr>
+            <a:endParaRPr lang="en-GB" sz="500" dirty="0">
+              <a:solidFill>
+                <a:schemeClr val="tx1"/>
+              </a:solidFill>
+              <a:latin typeface="Menlo" panose="020B0609030804020204" pitchFamily="49" charset="0"/>
+              <a:ea typeface="Menlo" panose="020B0609030804020204" pitchFamily="49" charset="0"/>
+              <a:cs typeface="Menlo" panose="020B0609030804020204" pitchFamily="49" charset="0"/>
+            </a:endParaRPr>
+          </a:p>
+          <a:p>
+            <a:pPr marL="174625" lvl="1" indent="0">
+              <a:buNone/>
+            </a:pPr>
+            <a:r>
+              <a:rPr lang="en-GB" sz="1500" dirty="0">
+                <a:solidFill>
+                  <a:schemeClr val="tx1"/>
+                </a:solidFill>
+                <a:latin typeface="Menlo" panose="020B0609030804020204" pitchFamily="49" charset="0"/>
+                <a:ea typeface="Menlo" panose="020B0609030804020204" pitchFamily="49" charset="0"/>
+                <a:cs typeface="Menlo" panose="020B0609030804020204" pitchFamily="49" charset="0"/>
+              </a:rPr>
+              <a:t>./</a:t>
+            </a:r>
+            <a:r>
+              <a:rPr lang="en-GB" sz="1500" dirty="0" err="1">
+                <a:solidFill>
+                  <a:schemeClr val="tx1"/>
+                </a:solidFill>
+                <a:latin typeface="Menlo" panose="020B0609030804020204" pitchFamily="49" charset="0"/>
+                <a:ea typeface="Menlo" panose="020B0609030804020204" pitchFamily="49" charset="0"/>
+                <a:cs typeface="Menlo" panose="020B0609030804020204" pitchFamily="49" charset="0"/>
+              </a:rPr>
+              <a:t>ensemble_experiment</a:t>
+            </a:r>
+            <a:r>
+              <a:rPr lang="en-GB" sz="1500" dirty="0">
+                <a:solidFill>
+                  <a:schemeClr val="tx1"/>
+                </a:solidFill>
+                <a:latin typeface="Menlo" panose="020B0609030804020204" pitchFamily="49" charset="0"/>
+                <a:ea typeface="Menlo" panose="020B0609030804020204" pitchFamily="49" charset="0"/>
+                <a:cs typeface="Menlo" panose="020B0609030804020204" pitchFamily="49" charset="0"/>
+              </a:rPr>
+              <a:t> settings/</a:t>
+            </a:r>
+            <a:r>
+              <a:rPr lang="en-GB" sz="1500" dirty="0">
+                <a:solidFill>
+                  <a:schemeClr val="tx1"/>
+                </a:solidFill>
+                <a:effectLst/>
+                <a:latin typeface="Menlo" panose="020B0609030804020204" pitchFamily="49" charset="0"/>
+              </a:rPr>
+              <a:t>norcpm-cf-system1_assimtest_19811115.sh</a:t>
+            </a:r>
+            <a:endParaRPr lang="en-GB" sz="1500" dirty="0">
+              <a:solidFill>
+                <a:schemeClr val="tx1"/>
+              </a:solidFill>
+              <a:latin typeface="Menlo" panose="020B0609030804020204" pitchFamily="49" charset="0"/>
+              <a:ea typeface="Menlo" panose="020B0609030804020204" pitchFamily="49" charset="0"/>
+              <a:cs typeface="Menlo" panose="020B0609030804020204" pitchFamily="49" charset="0"/>
+            </a:endParaRPr>
+          </a:p>
+          <a:p>
+            <a:pPr marL="0" indent="0">
+              <a:buNone/>
+            </a:pPr>
+            <a:endParaRPr lang="en-GB" sz="1400" dirty="0">
+              <a:solidFill>
+                <a:schemeClr val="tx1"/>
+              </a:solidFill>
+              <a:latin typeface="Menlo" panose="020B0609030804020204" pitchFamily="49" charset="0"/>
+              <a:ea typeface="Menlo" panose="020B0609030804020204" pitchFamily="49" charset="0"/>
+              <a:cs typeface="Menlo" panose="020B0609030804020204" pitchFamily="49" charset="0"/>
+            </a:endParaRPr>
+          </a:p>
+          <a:p>
+            <a:pPr marL="0" indent="0">
+              <a:buNone/>
+            </a:pPr>
+            <a:endParaRPr lang="en-GB" sz="1400" dirty="0">
+              <a:solidFill>
+                <a:schemeClr val="tx1"/>
+              </a:solidFill>
+              <a:latin typeface="Menlo" panose="020B0609030804020204" pitchFamily="49" charset="0"/>
+              <a:ea typeface="Menlo" panose="020B0609030804020204" pitchFamily="49" charset="0"/>
+              <a:cs typeface="Menlo" panose="020B0609030804020204" pitchFamily="49" charset="0"/>
+            </a:endParaRPr>
+          </a:p>
+        </p:txBody>
+      </p:sp>
+      <p:sp>
+        <p:nvSpPr>
+          <p:cNvPr id="2" name="Title 1">
+            <a:extLst>
+              <a:ext uri="{FF2B5EF4-FFF2-40B4-BE49-F238E27FC236}">
+                <a16:creationId xmlns:a16="http://schemas.microsoft.com/office/drawing/2014/main" id="{7F420939-91E1-E573-F0BD-AD2B47A07E8B}"/>
+              </a:ext>
+            </a:extLst>
+          </p:cNvPr>
+          <p:cNvSpPr>
+            <a:spLocks noGrp="1"/>
+          </p:cNvSpPr>
+          <p:nvPr>
+            <p:ph type="title"/>
+          </p:nvPr>
+        </p:nvSpPr>
+        <p:spPr>
+          <a:xfrm>
+            <a:off x="533400" y="658445"/>
+            <a:ext cx="11479161" cy="338554"/>
+          </a:xfrm>
+        </p:spPr>
+        <p:txBody>
+          <a:bodyPr/>
+          <a:lstStyle/>
+          <a:p>
+            <a:r>
+              <a:rPr lang="en-NO" sz="2200" dirty="0">
+                <a:solidFill>
+                  <a:schemeClr val="tx1"/>
+                </a:solidFill>
+              </a:rPr>
+              <a:t>Tutorial for performing an assimilation experiment using NorESM1-ME</a:t>
+            </a:r>
+            <a:endParaRPr lang="en-NO" sz="2200" dirty="0"/>
+          </a:p>
+        </p:txBody>
+      </p:sp>
+      <p:sp>
+        <p:nvSpPr>
+          <p:cNvPr id="4" name="Slide Number Placeholder 3">
+            <a:extLst>
+              <a:ext uri="{FF2B5EF4-FFF2-40B4-BE49-F238E27FC236}">
+                <a16:creationId xmlns:a16="http://schemas.microsoft.com/office/drawing/2014/main" id="{D5A6990E-F9BC-87DA-F948-9DD3F0158590}"/>
+              </a:ext>
+            </a:extLst>
+          </p:cNvPr>
+          <p:cNvSpPr>
+            <a:spLocks noGrp="1"/>
+          </p:cNvSpPr>
+          <p:nvPr>
+            <p:ph type="sldNum" sz="quarter" idx="12"/>
+          </p:nvPr>
+        </p:nvSpPr>
+        <p:spPr/>
+        <p:txBody>
+          <a:bodyPr/>
+          <a:lstStyle/>
+          <a:p>
+            <a:fld id="{0AE548F1-6D36-4902-B57A-69A845AA9B7E}" type="slidenum">
+              <a:rPr lang="nb-NO" smtClean="0"/>
+              <a:t>4</a:t>
+            </a:fld>
+            <a:endParaRPr lang="nb-NO"/>
+          </a:p>
+        </p:txBody>
+      </p:sp>
+    </p:spTree>
+    <p:extLst>
+      <p:ext uri="{BB962C8B-B14F-4D97-AF65-F5344CB8AC3E}">
+        <p14:creationId xmlns:p14="http://schemas.microsoft.com/office/powerpoint/2010/main" val="3924853188"/>
       </p:ext>
     </p:extLst>
   </p:cSld>
@@ -8320,8 +8118,8 @@
         </p:nvSpPr>
         <p:spPr>
           <a:xfrm>
-            <a:off x="490889" y="1431911"/>
-            <a:ext cx="11167711" cy="3580598"/>
+            <a:off x="490889" y="1431910"/>
+            <a:ext cx="11167711" cy="5050579"/>
           </a:xfrm>
           <a:prstGeom prst="rect">
             <a:avLst/>
@@ -8598,7 +8396,7 @@
                 <a:ea typeface="Menlo" panose="020B0609030804020204" pitchFamily="49" charset="0"/>
                 <a:cs typeface="Menlo" panose="020B0609030804020204" pitchFamily="49" charset="0"/>
               </a:rPr>
-              <a:t>Set up a NorESM1-ME assimilation test experiment with 4 members</a:t>
+              <a:t>Install NorESM2 </a:t>
             </a:r>
           </a:p>
           <a:p>
@@ -8638,7 +8436,7 @@
                 <a:ea typeface="Menlo" panose="020B0609030804020204" pitchFamily="49" charset="0"/>
                 <a:cs typeface="Menlo" panose="020B0609030804020204" pitchFamily="49" charset="0"/>
               </a:rPr>
-              <a:t>NorCPM</a:t>
+              <a:t>NorCPMX</a:t>
             </a:r>
             <a:r>
               <a:rPr lang="en-GB" sz="1500" dirty="0">
@@ -8649,7 +8447,7 @@
                 <a:ea typeface="Menlo" panose="020B0609030804020204" pitchFamily="49" charset="0"/>
                 <a:cs typeface="Menlo" panose="020B0609030804020204" pitchFamily="49" charset="0"/>
               </a:rPr>
-              <a:t>-CF/ensemble/noresm1</a:t>
+              <a:t>/setup/noresm2</a:t>
             </a:r>
           </a:p>
           <a:p>
@@ -8665,19 +8463,62 @@
                 <a:ea typeface="Menlo" panose="020B0609030804020204" pitchFamily="49" charset="0"/>
                 <a:cs typeface="Menlo" panose="020B0609030804020204" pitchFamily="49" charset="0"/>
               </a:rPr>
-              <a:t>./</a:t>
-            </a:r>
-            <a:r>
-              <a:rPr lang="en-GB" sz="1500" dirty="0" err="1">
+              <a:t>./install_noresm2.sh</a:t>
+            </a:r>
+            <a:endParaRPr lang="en-GB" sz="1500" dirty="0">
+              <a:solidFill>
+                <a:schemeClr val="tx1"/>
+              </a:solidFill>
+              <a:effectLst/>
+              <a:latin typeface="Menlo" panose="020B0609030804020204" pitchFamily="49" charset="0"/>
+              <a:ea typeface="Menlo" panose="020B0609030804020204" pitchFamily="49" charset="0"/>
+              <a:cs typeface="Menlo" panose="020B0609030804020204" pitchFamily="49" charset="0"/>
+            </a:endParaRPr>
+          </a:p>
+          <a:p>
+            <a:pPr marL="0" indent="0">
+              <a:buNone/>
+            </a:pPr>
+            <a:endParaRPr lang="en-GB" sz="1800" dirty="0">
+              <a:solidFill>
+                <a:schemeClr val="tx1"/>
+              </a:solidFill>
+              <a:ea typeface="Menlo" panose="020B0609030804020204" pitchFamily="49" charset="0"/>
+              <a:cs typeface="Menlo" panose="020B0609030804020204" pitchFamily="49" charset="0"/>
+            </a:endParaRPr>
+          </a:p>
+          <a:p>
+            <a:pPr marL="0" indent="0">
+              <a:buNone/>
+            </a:pPr>
+            <a:r>
+              <a:rPr lang="en-GB" sz="1800" dirty="0">
                 <a:solidFill>
                   <a:schemeClr val="tx1"/>
                 </a:solidFill>
-                <a:latin typeface="Menlo" panose="020B0609030804020204" pitchFamily="49" charset="0"/>
                 <a:ea typeface="Menlo" panose="020B0609030804020204" pitchFamily="49" charset="0"/>
                 <a:cs typeface="Menlo" panose="020B0609030804020204" pitchFamily="49" charset="0"/>
               </a:rPr>
-              <a:t>ensemble_experiment.sh</a:t>
-            </a:r>
+              <a:t>Set up a NorESM2-LM assimilation test experiment with 10 members</a:t>
+            </a:r>
+          </a:p>
+          <a:p>
+            <a:pPr marL="174625" lvl="1" indent="0">
+              <a:buNone/>
+            </a:pPr>
+            <a:endParaRPr lang="en-GB" sz="500" dirty="0">
+              <a:solidFill>
+                <a:schemeClr val="tx1"/>
+              </a:solidFill>
+              <a:latin typeface="Menlo" panose="020B0609030804020204" pitchFamily="49" charset="0"/>
+              <a:ea typeface="Menlo" panose="020B0609030804020204" pitchFamily="49" charset="0"/>
+              <a:cs typeface="Menlo" panose="020B0609030804020204" pitchFamily="49" charset="0"/>
+            </a:endParaRPr>
+          </a:p>
+          <a:p>
+            <a:pPr marL="174625" lvl="1" indent="0">
+              <a:buNone/>
+            </a:pPr>
             <a:r>
               <a:rPr lang="en-GB" sz="1500" dirty="0">
                 <a:solidFill>
@@ -8687,6 +8528,28 @@
                 <a:ea typeface="Menlo" panose="020B0609030804020204" pitchFamily="49" charset="0"/>
                 <a:cs typeface="Menlo" panose="020B0609030804020204" pitchFamily="49" charset="0"/>
               </a:rPr>
+              <a:t>./</a:t>
+            </a:r>
+            <a:r>
+              <a:rPr lang="en-GB" sz="1500" dirty="0" err="1">
+                <a:solidFill>
+                  <a:schemeClr val="tx1"/>
+                </a:solidFill>
+                <a:latin typeface="Menlo" panose="020B0609030804020204" pitchFamily="49" charset="0"/>
+                <a:ea typeface="Menlo" panose="020B0609030804020204" pitchFamily="49" charset="0"/>
+                <a:cs typeface="Menlo" panose="020B0609030804020204" pitchFamily="49" charset="0"/>
+              </a:rPr>
+              <a:t>create_ensemble.sh</a:t>
+            </a:r>
+            <a:r>
+              <a:rPr lang="en-GB" sz="1500" dirty="0">
+                <a:solidFill>
+                  <a:schemeClr val="tx1"/>
+                </a:solidFill>
+                <a:latin typeface="Menlo" panose="020B0609030804020204" pitchFamily="49" charset="0"/>
+                <a:ea typeface="Menlo" panose="020B0609030804020204" pitchFamily="49" charset="0"/>
+                <a:cs typeface="Menlo" panose="020B0609030804020204" pitchFamily="49" charset="0"/>
+              </a:rPr>
               <a:t> settings/</a:t>
             </a:r>
             <a:r>
@@ -8697,7 +8560,7 @@
                 <a:effectLst/>
                 <a:latin typeface="Menlo" panose="020B0609030804020204" pitchFamily="49" charset="0"/>
               </a:rPr>
-              <a:t>norcpm-cf-system1_assimtest_19811115.sh</a:t>
+              <a:t>noresm2-lm_odaday_19960101.sh</a:t>
             </a:r>
             <a:endParaRPr lang="en-GB" sz="1500" dirty="0">
               <a:solidFill>
@@ -8774,7 +8637,7 @@
                 <a:ea typeface="Menlo" panose="020B0609030804020204" pitchFamily="49" charset="0"/>
                 <a:cs typeface="Menlo" panose="020B0609030804020204" pitchFamily="49" charset="0"/>
               </a:rPr>
-              <a:t>ensemble_experiment</a:t>
+              <a:t>submit_ensemble</a:t>
             </a:r>
             <a:r>
               <a:rPr lang="en-GB" sz="1500" dirty="0">
@@ -8795,7 +8658,7 @@
                 <a:effectLst/>
                 <a:latin typeface="Menlo" panose="020B0609030804020204" pitchFamily="49" charset="0"/>
               </a:rPr>
-              <a:t>norcpm-cf-system1_assimtest_19811115.sh</a:t>
+              <a:t>noresm2-lm_odaday_19960101.sh</a:t>
             </a:r>
             <a:endParaRPr lang="en-GB" sz="1500" dirty="0">
               <a:solidFill>
@@ -8866,7 +8729,7 @@
                   <a:schemeClr val="tx1"/>
                 </a:solidFill>
               </a:rPr>
-              <a:t>Tutorial for performing an assimilation experiment using NorESM1-ME</a:t>
+              <a:t>Tutorial for performing an assimilation experiment using NorESM2-LM</a:t>
             </a:r>
             <a:endParaRPr lang="en-NO" sz="2200" dirty="0"/>
           </a:p>
@@ -8896,696 +8759,6 @@
             <a:fld id="{0AE548F1-6D36-4902-B57A-69A845AA9B7E}" type="slidenum">
               <a:rPr lang="nb-NO" smtClean="0"/>
               <a:t>5</a:t>
-            </a:fld>
-            <a:endParaRPr lang="nb-NO"/>
-          </a:p>
-        </p:txBody>
-      </p:sp>
-    </p:spTree>
-    <p:extLst>
-      <p:ext uri="{BB962C8B-B14F-4D97-AF65-F5344CB8AC3E}">
-        <p14:creationId xmlns:p14="http://schemas.microsoft.com/office/powerpoint/2010/main" val="3924853188"/>
-      </p:ext>
-    </p:extLst>
-  </p:cSld>
-  <p:clrMapOvr>
-    <a:masterClrMapping/>
-  </p:clrMapOvr>
-</p:sld>
-</file>
-
-<file path=ppt/slides/slide6.xml><?xml version="1.0" encoding="utf-8"?>
-<p:sld xmlns:a="http://schemas.openxmlformats.org/drawingml/2006/main" xmlns:r="http://schemas.openxmlformats.org/officeDocument/2006/relationships" xmlns:p="http://schemas.openxmlformats.org/presentationml/2006/main">
-  <p:cSld>
-    <p:spTree>
-      <p:nvGrpSpPr>
-        <p:cNvPr id="1" name=""/>
-        <p:cNvGrpSpPr/>
-        <p:nvPr/>
-      </p:nvGrpSpPr>
-      <p:grpSpPr>
-        <a:xfrm>
-          <a:off x="0" y="0"/>
-          <a:ext cx="0" cy="0"/>
-          <a:chOff x="0" y="0"/>
-          <a:chExt cx="0" cy="0"/>
-        </a:xfrm>
-      </p:grpSpPr>
-      <p:sp>
-        <p:nvSpPr>
-          <p:cNvPr id="5" name="TextBox 4">
-            <a:extLst>
-              <a:ext uri="{FF2B5EF4-FFF2-40B4-BE49-F238E27FC236}">
-                <a16:creationId xmlns:a16="http://schemas.microsoft.com/office/drawing/2014/main" id="{401E7156-5D76-D08F-1E7B-C5BE269A4CD4}"/>
-              </a:ext>
-            </a:extLst>
-          </p:cNvPr>
-          <p:cNvSpPr txBox="1"/>
-          <p:nvPr/>
-        </p:nvSpPr>
-        <p:spPr>
-          <a:xfrm>
-            <a:off x="490889" y="1431910"/>
-            <a:ext cx="11167711" cy="5050579"/>
-          </a:xfrm>
-          <a:prstGeom prst="rect">
-            <a:avLst/>
-          </a:prstGeom>
-          <a:noFill/>
-          <a:ln>
-            <a:solidFill>
-              <a:schemeClr val="tx1"/>
-            </a:solidFill>
-          </a:ln>
-        </p:spPr>
-        <p:txBody>
-          <a:bodyPr wrap="square" rtlCol="0">
-            <a:spAutoFit/>
-          </a:bodyPr>
-          <a:lstStyle/>
-          <a:p>
-            <a:endParaRPr lang="en-NO" dirty="0"/>
-          </a:p>
-        </p:txBody>
-      </p:sp>
-      <p:sp>
-        <p:nvSpPr>
-          <p:cNvPr id="3" name="Content Placeholder 2">
-            <a:extLst>
-              <a:ext uri="{FF2B5EF4-FFF2-40B4-BE49-F238E27FC236}">
-                <a16:creationId xmlns:a16="http://schemas.microsoft.com/office/drawing/2014/main" id="{E924D2CF-D65B-2043-E142-255DC1C37D77}"/>
-              </a:ext>
-            </a:extLst>
-          </p:cNvPr>
-          <p:cNvSpPr>
-            <a:spLocks noGrp="1"/>
-          </p:cNvSpPr>
-          <p:nvPr>
-            <p:ph idx="1"/>
-          </p:nvPr>
-        </p:nvSpPr>
-        <p:spPr>
-          <a:xfrm>
-            <a:off x="533400" y="1234799"/>
-            <a:ext cx="11366500" cy="5623201"/>
-          </a:xfrm>
-        </p:spPr>
-        <p:txBody>
-          <a:bodyPr>
-            <a:normAutofit/>
-          </a:bodyPr>
-          <a:lstStyle/>
-          <a:p>
-            <a:pPr marL="0" indent="0">
-              <a:buNone/>
-            </a:pPr>
-            <a:endParaRPr lang="en-GB" sz="1600" b="0" i="0" u="none" strike="noStrike" dirty="0">
-              <a:solidFill>
-                <a:srgbClr val="1F2328"/>
-              </a:solidFill>
-              <a:effectLst/>
-            </a:endParaRPr>
-          </a:p>
-          <a:p>
-            <a:pPr marL="0" indent="0">
-              <a:buNone/>
-            </a:pPr>
-            <a:r>
-              <a:rPr lang="en-GB" sz="1800" b="0" i="0" u="none" strike="noStrike" dirty="0">
-                <a:solidFill>
-                  <a:srgbClr val="1F2328"/>
-                </a:solidFill>
-                <a:effectLst/>
-              </a:rPr>
-              <a:t>Install </a:t>
-            </a:r>
-            <a:r>
-              <a:rPr lang="en-GB" sz="1800" b="0" i="0" u="none" strike="noStrike" dirty="0" err="1">
-                <a:solidFill>
-                  <a:srgbClr val="1F2328"/>
-                </a:solidFill>
-                <a:effectLst/>
-              </a:rPr>
-              <a:t>NorCPM</a:t>
-            </a:r>
-            <a:r>
-              <a:rPr lang="en-GB" sz="1800" b="0" i="0" u="none" strike="noStrike" dirty="0">
-                <a:solidFill>
-                  <a:srgbClr val="1F2328"/>
-                </a:solidFill>
-                <a:effectLst/>
-              </a:rPr>
-              <a:t>-CF in the nn9039k project space </a:t>
-            </a:r>
-          </a:p>
-          <a:p>
-            <a:pPr marL="174625" lvl="1" indent="0">
-              <a:buNone/>
-            </a:pPr>
-            <a:endParaRPr lang="en-GB" sz="500" dirty="0">
-              <a:solidFill>
-                <a:schemeClr val="tx1"/>
-              </a:solidFill>
-              <a:latin typeface="Menlo" panose="020B0609030804020204" pitchFamily="49" charset="0"/>
-              <a:ea typeface="Menlo" panose="020B0609030804020204" pitchFamily="49" charset="0"/>
-              <a:cs typeface="Menlo" panose="020B0609030804020204" pitchFamily="49" charset="0"/>
-            </a:endParaRPr>
-          </a:p>
-          <a:p>
-            <a:pPr marL="174625" lvl="1" indent="0">
-              <a:buNone/>
-            </a:pPr>
-            <a:r>
-              <a:rPr lang="en-GB" sz="1500" dirty="0" err="1">
-                <a:solidFill>
-                  <a:schemeClr val="tx1"/>
-                </a:solidFill>
-                <a:latin typeface="Menlo" panose="020B0609030804020204" pitchFamily="49" charset="0"/>
-                <a:ea typeface="Menlo" panose="020B0609030804020204" pitchFamily="49" charset="0"/>
-                <a:cs typeface="Menlo" panose="020B0609030804020204" pitchFamily="49" charset="0"/>
-              </a:rPr>
-              <a:t>mkdir</a:t>
-            </a:r>
-            <a:r>
-              <a:rPr lang="en-GB" sz="1500" dirty="0">
-                <a:solidFill>
-                  <a:schemeClr val="tx1"/>
-                </a:solidFill>
-                <a:latin typeface="Menlo" panose="020B0609030804020204" pitchFamily="49" charset="0"/>
-                <a:ea typeface="Menlo" panose="020B0609030804020204" pitchFamily="49" charset="0"/>
-                <a:cs typeface="Menlo" panose="020B0609030804020204" pitchFamily="49" charset="0"/>
-              </a:rPr>
-              <a:t> -p /cluster/projects/nn9039k/people/$USER </a:t>
-            </a:r>
-          </a:p>
-          <a:p>
-            <a:pPr marL="174625" lvl="1" indent="0">
-              <a:buNone/>
-            </a:pPr>
-            <a:r>
-              <a:rPr lang="en-GB" sz="1500" dirty="0">
-                <a:solidFill>
-                  <a:schemeClr val="tx1"/>
-                </a:solidFill>
-                <a:latin typeface="Menlo" panose="020B0609030804020204" pitchFamily="49" charset="0"/>
-                <a:ea typeface="Menlo" panose="020B0609030804020204" pitchFamily="49" charset="0"/>
-                <a:cs typeface="Menlo" panose="020B0609030804020204" pitchFamily="49" charset="0"/>
-              </a:rPr>
-              <a:t>cd /cluster/projects/nn9039k/people/$USER </a:t>
-            </a:r>
-          </a:p>
-          <a:p>
-            <a:pPr marL="174625" lvl="1" indent="0">
-              <a:buNone/>
-            </a:pPr>
-            <a:r>
-              <a:rPr lang="en-GB" sz="1500" dirty="0">
-                <a:solidFill>
-                  <a:schemeClr val="tx1"/>
-                </a:solidFill>
-                <a:latin typeface="Menlo" panose="020B0609030804020204" pitchFamily="49" charset="0"/>
-                <a:ea typeface="Menlo" panose="020B0609030804020204" pitchFamily="49" charset="0"/>
-                <a:cs typeface="Menlo" panose="020B0609030804020204" pitchFamily="49" charset="0"/>
-              </a:rPr>
-              <a:t>git clone ssh://</a:t>
-            </a:r>
-            <a:r>
-              <a:rPr lang="en-GB" sz="1500" dirty="0" err="1">
-                <a:solidFill>
-                  <a:schemeClr val="tx1"/>
-                </a:solidFill>
-                <a:latin typeface="Menlo" panose="020B0609030804020204" pitchFamily="49" charset="0"/>
-                <a:ea typeface="Menlo" panose="020B0609030804020204" pitchFamily="49" charset="0"/>
-                <a:cs typeface="Menlo" panose="020B0609030804020204" pitchFamily="49" charset="0"/>
-              </a:rPr>
-              <a:t>git@github.com</a:t>
-            </a:r>
-            <a:r>
-              <a:rPr lang="en-GB" sz="1500" dirty="0">
-                <a:solidFill>
-                  <a:schemeClr val="tx1"/>
-                </a:solidFill>
-                <a:latin typeface="Menlo" panose="020B0609030804020204" pitchFamily="49" charset="0"/>
-                <a:ea typeface="Menlo" panose="020B0609030804020204" pitchFamily="49" charset="0"/>
-                <a:cs typeface="Menlo" panose="020B0609030804020204" pitchFamily="49" charset="0"/>
-              </a:rPr>
-              <a:t>/</a:t>
-            </a:r>
-            <a:r>
-              <a:rPr lang="en-GB" sz="1500" dirty="0" err="1">
-                <a:solidFill>
-                  <a:schemeClr val="tx1"/>
-                </a:solidFill>
-                <a:latin typeface="Menlo" panose="020B0609030804020204" pitchFamily="49" charset="0"/>
-                <a:ea typeface="Menlo" panose="020B0609030804020204" pitchFamily="49" charset="0"/>
-                <a:cs typeface="Menlo" panose="020B0609030804020204" pitchFamily="49" charset="0"/>
-              </a:rPr>
-              <a:t>BjerknesCPU</a:t>
-            </a:r>
-            <a:r>
-              <a:rPr lang="en-GB" sz="1500" dirty="0">
-                <a:solidFill>
-                  <a:schemeClr val="tx1"/>
-                </a:solidFill>
-                <a:latin typeface="Menlo" panose="020B0609030804020204" pitchFamily="49" charset="0"/>
-                <a:ea typeface="Menlo" panose="020B0609030804020204" pitchFamily="49" charset="0"/>
-                <a:cs typeface="Menlo" panose="020B0609030804020204" pitchFamily="49" charset="0"/>
-              </a:rPr>
-              <a:t>/</a:t>
-            </a:r>
-            <a:r>
-              <a:rPr lang="en-GB" sz="1500" dirty="0" err="1">
-                <a:solidFill>
-                  <a:schemeClr val="tx1"/>
-                </a:solidFill>
-                <a:latin typeface="Menlo" panose="020B0609030804020204" pitchFamily="49" charset="0"/>
-                <a:ea typeface="Menlo" panose="020B0609030804020204" pitchFamily="49" charset="0"/>
-                <a:cs typeface="Menlo" panose="020B0609030804020204" pitchFamily="49" charset="0"/>
-              </a:rPr>
-              <a:t>NorCPM-CF.git</a:t>
-            </a:r>
-            <a:r>
-              <a:rPr lang="en-GB" sz="1500" dirty="0">
-                <a:solidFill>
-                  <a:schemeClr val="tx1"/>
-                </a:solidFill>
-                <a:latin typeface="Menlo" panose="020B0609030804020204" pitchFamily="49" charset="0"/>
-                <a:ea typeface="Menlo" panose="020B0609030804020204" pitchFamily="49" charset="0"/>
-                <a:cs typeface="Menlo" panose="020B0609030804020204" pitchFamily="49" charset="0"/>
-              </a:rPr>
-              <a:t> </a:t>
-            </a:r>
-            <a:r>
-              <a:rPr lang="en-GB" sz="1500" dirty="0" err="1">
-                <a:solidFill>
-                  <a:schemeClr val="tx1"/>
-                </a:solidFill>
-                <a:latin typeface="Menlo" panose="020B0609030804020204" pitchFamily="49" charset="0"/>
-                <a:ea typeface="Menlo" panose="020B0609030804020204" pitchFamily="49" charset="0"/>
-                <a:cs typeface="Menlo" panose="020B0609030804020204" pitchFamily="49" charset="0"/>
-              </a:rPr>
-              <a:t>NorCPM</a:t>
-            </a:r>
-            <a:r>
-              <a:rPr lang="en-GB" sz="1500" dirty="0">
-                <a:solidFill>
-                  <a:schemeClr val="tx1"/>
-                </a:solidFill>
-                <a:latin typeface="Menlo" panose="020B0609030804020204" pitchFamily="49" charset="0"/>
-                <a:ea typeface="Menlo" panose="020B0609030804020204" pitchFamily="49" charset="0"/>
-                <a:cs typeface="Menlo" panose="020B0609030804020204" pitchFamily="49" charset="0"/>
-              </a:rPr>
-              <a:t>-CF</a:t>
-            </a:r>
-          </a:p>
-          <a:p>
-            <a:pPr marL="174625" lvl="1" indent="0">
-              <a:buNone/>
-            </a:pPr>
-            <a:endParaRPr lang="en-GB" dirty="0">
-              <a:solidFill>
-                <a:schemeClr val="tx1"/>
-              </a:solidFill>
-              <a:latin typeface="Menlo" panose="020B0609030804020204" pitchFamily="49" charset="0"/>
-              <a:ea typeface="Menlo" panose="020B0609030804020204" pitchFamily="49" charset="0"/>
-              <a:cs typeface="Menlo" panose="020B0609030804020204" pitchFamily="49" charset="0"/>
-            </a:endParaRPr>
-          </a:p>
-          <a:p>
-            <a:pPr marL="0" indent="0">
-              <a:buNone/>
-            </a:pPr>
-            <a:r>
-              <a:rPr lang="en-GB" sz="1800" dirty="0">
-                <a:solidFill>
-                  <a:schemeClr val="tx1"/>
-                </a:solidFill>
-                <a:ea typeface="Menlo" panose="020B0609030804020204" pitchFamily="49" charset="0"/>
-                <a:cs typeface="Menlo" panose="020B0609030804020204" pitchFamily="49" charset="0"/>
-              </a:rPr>
-              <a:t>Install NorESM2 </a:t>
-            </a:r>
-          </a:p>
-          <a:p>
-            <a:pPr marL="174625" lvl="1" indent="0">
-              <a:buNone/>
-            </a:pPr>
-            <a:endParaRPr lang="en-GB" sz="500" dirty="0">
-              <a:solidFill>
-                <a:schemeClr val="tx1"/>
-              </a:solidFill>
-              <a:latin typeface="Menlo" panose="020B0609030804020204" pitchFamily="49" charset="0"/>
-              <a:ea typeface="Menlo" panose="020B0609030804020204" pitchFamily="49" charset="0"/>
-              <a:cs typeface="Menlo" panose="020B0609030804020204" pitchFamily="49" charset="0"/>
-            </a:endParaRPr>
-          </a:p>
-          <a:p>
-            <a:pPr marL="174625" lvl="1" indent="0">
-              <a:buNone/>
-            </a:pPr>
-            <a:r>
-              <a:rPr lang="en-GB" sz="1500" dirty="0">
-                <a:solidFill>
-                  <a:schemeClr val="tx1"/>
-                </a:solidFill>
-                <a:latin typeface="Menlo" panose="020B0609030804020204" pitchFamily="49" charset="0"/>
-                <a:ea typeface="Menlo" panose="020B0609030804020204" pitchFamily="49" charset="0"/>
-                <a:cs typeface="Menlo" panose="020B0609030804020204" pitchFamily="49" charset="0"/>
-              </a:rPr>
-              <a:t>cd /cluster/projects/nn9039k/people/$USER/</a:t>
-            </a:r>
-            <a:r>
-              <a:rPr lang="en-GB" sz="1500" dirty="0" err="1">
-                <a:solidFill>
-                  <a:schemeClr val="tx1"/>
-                </a:solidFill>
-                <a:latin typeface="Menlo" panose="020B0609030804020204" pitchFamily="49" charset="0"/>
-                <a:ea typeface="Menlo" panose="020B0609030804020204" pitchFamily="49" charset="0"/>
-                <a:cs typeface="Menlo" panose="020B0609030804020204" pitchFamily="49" charset="0"/>
-              </a:rPr>
-              <a:t>NorCPMX</a:t>
-            </a:r>
-            <a:r>
-              <a:rPr lang="en-GB" sz="1500" dirty="0">
-                <a:solidFill>
-                  <a:schemeClr val="tx1"/>
-                </a:solidFill>
-                <a:latin typeface="Menlo" panose="020B0609030804020204" pitchFamily="49" charset="0"/>
-                <a:ea typeface="Menlo" panose="020B0609030804020204" pitchFamily="49" charset="0"/>
-                <a:cs typeface="Menlo" panose="020B0609030804020204" pitchFamily="49" charset="0"/>
-              </a:rPr>
-              <a:t>/ensemble/noresm2</a:t>
-            </a:r>
-          </a:p>
-          <a:p>
-            <a:pPr marL="174625" lvl="1" indent="0">
-              <a:buNone/>
-            </a:pPr>
-            <a:r>
-              <a:rPr lang="en-GB" sz="1500" dirty="0">
-                <a:solidFill>
-                  <a:schemeClr val="tx1"/>
-                </a:solidFill>
-                <a:latin typeface="Menlo" panose="020B0609030804020204" pitchFamily="49" charset="0"/>
-                <a:ea typeface="Menlo" panose="020B0609030804020204" pitchFamily="49" charset="0"/>
-                <a:cs typeface="Menlo" panose="020B0609030804020204" pitchFamily="49" charset="0"/>
-              </a:rPr>
-              <a:t>./install_noresm2.sh</a:t>
-            </a:r>
-            <a:endParaRPr lang="en-GB" sz="1500" dirty="0">
-              <a:solidFill>
-                <a:schemeClr val="tx1"/>
-              </a:solidFill>
-              <a:effectLst/>
-              <a:latin typeface="Menlo" panose="020B0609030804020204" pitchFamily="49" charset="0"/>
-              <a:ea typeface="Menlo" panose="020B0609030804020204" pitchFamily="49" charset="0"/>
-              <a:cs typeface="Menlo" panose="020B0609030804020204" pitchFamily="49" charset="0"/>
-            </a:endParaRPr>
-          </a:p>
-          <a:p>
-            <a:pPr marL="0" indent="0">
-              <a:buNone/>
-            </a:pPr>
-            <a:endParaRPr lang="en-GB" sz="1800" dirty="0">
-              <a:solidFill>
-                <a:schemeClr val="tx1"/>
-              </a:solidFill>
-              <a:ea typeface="Menlo" panose="020B0609030804020204" pitchFamily="49" charset="0"/>
-              <a:cs typeface="Menlo" panose="020B0609030804020204" pitchFamily="49" charset="0"/>
-            </a:endParaRPr>
-          </a:p>
-          <a:p>
-            <a:pPr marL="0" indent="0">
-              <a:buNone/>
-            </a:pPr>
-            <a:r>
-              <a:rPr lang="en-GB" sz="1800" dirty="0">
-                <a:solidFill>
-                  <a:schemeClr val="tx1"/>
-                </a:solidFill>
-                <a:ea typeface="Menlo" panose="020B0609030804020204" pitchFamily="49" charset="0"/>
-                <a:cs typeface="Menlo" panose="020B0609030804020204" pitchFamily="49" charset="0"/>
-              </a:rPr>
-              <a:t>Set up a NorESM2-LM assimilation test experiment with 10 members</a:t>
-            </a:r>
-          </a:p>
-          <a:p>
-            <a:pPr marL="174625" lvl="1" indent="0">
-              <a:buNone/>
-            </a:pPr>
-            <a:endParaRPr lang="en-GB" sz="500" dirty="0">
-              <a:solidFill>
-                <a:schemeClr val="tx1"/>
-              </a:solidFill>
-              <a:latin typeface="Menlo" panose="020B0609030804020204" pitchFamily="49" charset="0"/>
-              <a:ea typeface="Menlo" panose="020B0609030804020204" pitchFamily="49" charset="0"/>
-              <a:cs typeface="Menlo" panose="020B0609030804020204" pitchFamily="49" charset="0"/>
-            </a:endParaRPr>
-          </a:p>
-          <a:p>
-            <a:pPr marL="174625" lvl="1" indent="0">
-              <a:buNone/>
-            </a:pPr>
-            <a:r>
-              <a:rPr lang="en-GB" sz="1500" dirty="0">
-                <a:solidFill>
-                  <a:schemeClr val="tx1"/>
-                </a:solidFill>
-                <a:latin typeface="Menlo" panose="020B0609030804020204" pitchFamily="49" charset="0"/>
-                <a:ea typeface="Menlo" panose="020B0609030804020204" pitchFamily="49" charset="0"/>
-                <a:cs typeface="Menlo" panose="020B0609030804020204" pitchFamily="49" charset="0"/>
-              </a:rPr>
-              <a:t>./</a:t>
-            </a:r>
-            <a:r>
-              <a:rPr lang="en-GB" sz="1500" dirty="0" err="1">
-                <a:solidFill>
-                  <a:schemeClr val="tx1"/>
-                </a:solidFill>
-                <a:latin typeface="Menlo" panose="020B0609030804020204" pitchFamily="49" charset="0"/>
-                <a:ea typeface="Menlo" panose="020B0609030804020204" pitchFamily="49" charset="0"/>
-                <a:cs typeface="Menlo" panose="020B0609030804020204" pitchFamily="49" charset="0"/>
-              </a:rPr>
-              <a:t>create_ensemble.sh</a:t>
-            </a:r>
-            <a:r>
-              <a:rPr lang="en-GB" sz="1500" dirty="0">
-                <a:solidFill>
-                  <a:schemeClr val="tx1"/>
-                </a:solidFill>
-                <a:latin typeface="Menlo" panose="020B0609030804020204" pitchFamily="49" charset="0"/>
-                <a:ea typeface="Menlo" panose="020B0609030804020204" pitchFamily="49" charset="0"/>
-                <a:cs typeface="Menlo" panose="020B0609030804020204" pitchFamily="49" charset="0"/>
-              </a:rPr>
-              <a:t> settings/</a:t>
-            </a:r>
-            <a:r>
-              <a:rPr lang="en-GB" sz="1500" dirty="0">
-                <a:solidFill>
-                  <a:schemeClr val="tx1"/>
-                </a:solidFill>
-                <a:effectLst/>
-                <a:latin typeface="Menlo" panose="020B0609030804020204" pitchFamily="49" charset="0"/>
-              </a:rPr>
-              <a:t>noresm2-lm_odaday_19960101.sh</a:t>
-            </a:r>
-            <a:endParaRPr lang="en-GB" sz="1500" dirty="0">
-              <a:solidFill>
-                <a:schemeClr val="tx1"/>
-              </a:solidFill>
-              <a:effectLst/>
-              <a:latin typeface="Menlo" panose="020B0609030804020204" pitchFamily="49" charset="0"/>
-              <a:ea typeface="Menlo" panose="020B0609030804020204" pitchFamily="49" charset="0"/>
-              <a:cs typeface="Menlo" panose="020B0609030804020204" pitchFamily="49" charset="0"/>
-            </a:endParaRPr>
-          </a:p>
-          <a:p>
-            <a:pPr marL="174625" lvl="1" indent="0">
-              <a:buNone/>
-            </a:pPr>
-            <a:endParaRPr lang="en-GB" dirty="0">
-              <a:solidFill>
-                <a:schemeClr val="tx1"/>
-              </a:solidFill>
-              <a:latin typeface="Menlo" panose="020B0609030804020204" pitchFamily="49" charset="0"/>
-              <a:ea typeface="Menlo" panose="020B0609030804020204" pitchFamily="49" charset="0"/>
-              <a:cs typeface="Menlo" panose="020B0609030804020204" pitchFamily="49" charset="0"/>
-            </a:endParaRPr>
-          </a:p>
-          <a:p>
-            <a:pPr marL="0" indent="0">
-              <a:buNone/>
-            </a:pPr>
-            <a:r>
-              <a:rPr lang="en-GB" sz="1800" dirty="0">
-                <a:solidFill>
-                  <a:schemeClr val="tx1"/>
-                </a:solidFill>
-                <a:ea typeface="Menlo" panose="020B0609030804020204" pitchFamily="49" charset="0"/>
-                <a:cs typeface="Menlo" panose="020B0609030804020204" pitchFamily="49" charset="0"/>
-              </a:rPr>
-              <a:t>Submit experiment </a:t>
-            </a:r>
-          </a:p>
-          <a:p>
-            <a:pPr marL="174625" lvl="1" indent="0">
-              <a:buNone/>
-            </a:pPr>
-            <a:endParaRPr lang="en-GB" sz="500" dirty="0">
-              <a:solidFill>
-                <a:schemeClr val="tx1"/>
-              </a:solidFill>
-              <a:latin typeface="Menlo" panose="020B0609030804020204" pitchFamily="49" charset="0"/>
-              <a:ea typeface="Menlo" panose="020B0609030804020204" pitchFamily="49" charset="0"/>
-              <a:cs typeface="Menlo" panose="020B0609030804020204" pitchFamily="49" charset="0"/>
-            </a:endParaRPr>
-          </a:p>
-          <a:p>
-            <a:pPr marL="174625" lvl="1" indent="0">
-              <a:buNone/>
-            </a:pPr>
-            <a:r>
-              <a:rPr lang="en-GB" sz="1500" dirty="0">
-                <a:solidFill>
-                  <a:schemeClr val="tx1"/>
-                </a:solidFill>
-                <a:latin typeface="Menlo" panose="020B0609030804020204" pitchFamily="49" charset="0"/>
-                <a:ea typeface="Menlo" panose="020B0609030804020204" pitchFamily="49" charset="0"/>
-                <a:cs typeface="Menlo" panose="020B0609030804020204" pitchFamily="49" charset="0"/>
-              </a:rPr>
-              <a:t>./</a:t>
-            </a:r>
-            <a:r>
-              <a:rPr lang="en-GB" sz="1500" dirty="0" err="1">
-                <a:solidFill>
-                  <a:schemeClr val="tx1"/>
-                </a:solidFill>
-                <a:latin typeface="Menlo" panose="020B0609030804020204" pitchFamily="49" charset="0"/>
-                <a:ea typeface="Menlo" panose="020B0609030804020204" pitchFamily="49" charset="0"/>
-                <a:cs typeface="Menlo" panose="020B0609030804020204" pitchFamily="49" charset="0"/>
-              </a:rPr>
-              <a:t>submit_ensemble</a:t>
-            </a:r>
-            <a:r>
-              <a:rPr lang="en-GB" sz="1500" dirty="0">
-                <a:solidFill>
-                  <a:schemeClr val="tx1"/>
-                </a:solidFill>
-                <a:latin typeface="Menlo" panose="020B0609030804020204" pitchFamily="49" charset="0"/>
-                <a:ea typeface="Menlo" panose="020B0609030804020204" pitchFamily="49" charset="0"/>
-                <a:cs typeface="Menlo" panose="020B0609030804020204" pitchFamily="49" charset="0"/>
-              </a:rPr>
-              <a:t> settings/</a:t>
-            </a:r>
-            <a:r>
-              <a:rPr lang="en-GB" sz="1500" dirty="0">
-                <a:solidFill>
-                  <a:schemeClr val="tx1"/>
-                </a:solidFill>
-                <a:effectLst/>
-                <a:latin typeface="Menlo" panose="020B0609030804020204" pitchFamily="49" charset="0"/>
-              </a:rPr>
-              <a:t>noresm2-lm_odaday_19960101.sh</a:t>
-            </a:r>
-            <a:endParaRPr lang="en-GB" sz="1500" dirty="0">
-              <a:solidFill>
-                <a:schemeClr val="tx1"/>
-              </a:solidFill>
-              <a:latin typeface="Menlo" panose="020B0609030804020204" pitchFamily="49" charset="0"/>
-              <a:ea typeface="Menlo" panose="020B0609030804020204" pitchFamily="49" charset="0"/>
-              <a:cs typeface="Menlo" panose="020B0609030804020204" pitchFamily="49" charset="0"/>
-            </a:endParaRPr>
-          </a:p>
-          <a:p>
-            <a:pPr marL="0" indent="0">
-              <a:buNone/>
-            </a:pPr>
-            <a:endParaRPr lang="en-GB" sz="1400" dirty="0">
-              <a:solidFill>
-                <a:schemeClr val="tx1"/>
-              </a:solidFill>
-              <a:latin typeface="Menlo" panose="020B0609030804020204" pitchFamily="49" charset="0"/>
-              <a:ea typeface="Menlo" panose="020B0609030804020204" pitchFamily="49" charset="0"/>
-              <a:cs typeface="Menlo" panose="020B0609030804020204" pitchFamily="49" charset="0"/>
-            </a:endParaRPr>
-          </a:p>
-          <a:p>
-            <a:pPr marL="0" indent="0">
-              <a:buNone/>
-            </a:pPr>
-            <a:endParaRPr lang="en-GB" sz="1400" dirty="0">
-              <a:solidFill>
-                <a:schemeClr val="tx1"/>
-              </a:solidFill>
-              <a:latin typeface="Menlo" panose="020B0609030804020204" pitchFamily="49" charset="0"/>
-              <a:ea typeface="Menlo" panose="020B0609030804020204" pitchFamily="49" charset="0"/>
-              <a:cs typeface="Menlo" panose="020B0609030804020204" pitchFamily="49" charset="0"/>
-            </a:endParaRPr>
-          </a:p>
-        </p:txBody>
-      </p:sp>
-      <p:sp>
-        <p:nvSpPr>
-          <p:cNvPr id="2" name="Title 1">
-            <a:extLst>
-              <a:ext uri="{FF2B5EF4-FFF2-40B4-BE49-F238E27FC236}">
-                <a16:creationId xmlns:a16="http://schemas.microsoft.com/office/drawing/2014/main" id="{7F420939-91E1-E573-F0BD-AD2B47A07E8B}"/>
-              </a:ext>
-            </a:extLst>
-          </p:cNvPr>
-          <p:cNvSpPr>
-            <a:spLocks noGrp="1"/>
-          </p:cNvSpPr>
-          <p:nvPr>
-            <p:ph type="title"/>
-          </p:nvPr>
-        </p:nvSpPr>
-        <p:spPr>
-          <a:xfrm>
-            <a:off x="533400" y="658445"/>
-            <a:ext cx="11479161" cy="338554"/>
-          </a:xfrm>
-        </p:spPr>
-        <p:txBody>
-          <a:bodyPr/>
-          <a:lstStyle/>
-          <a:p>
-            <a:r>
-              <a:rPr lang="en-NO" sz="2200" dirty="0">
-                <a:solidFill>
-                  <a:schemeClr val="tx1"/>
-                </a:solidFill>
-              </a:rPr>
-              <a:t>Tutorial for performing an assimilation experiment using NorESM2-LM</a:t>
-            </a:r>
-            <a:endParaRPr lang="en-NO" sz="2200" dirty="0"/>
-          </a:p>
-        </p:txBody>
-      </p:sp>
-      <p:sp>
-        <p:nvSpPr>
-          <p:cNvPr id="4" name="Slide Number Placeholder 3">
-            <a:extLst>
-              <a:ext uri="{FF2B5EF4-FFF2-40B4-BE49-F238E27FC236}">
-                <a16:creationId xmlns:a16="http://schemas.microsoft.com/office/drawing/2014/main" id="{D5A6990E-F9BC-87DA-F948-9DD3F0158590}"/>
-              </a:ext>
-            </a:extLst>
-          </p:cNvPr>
-          <p:cNvSpPr>
-            <a:spLocks noGrp="1"/>
-          </p:cNvSpPr>
-          <p:nvPr>
-            <p:ph type="sldNum" sz="quarter" idx="12"/>
-          </p:nvPr>
-        </p:nvSpPr>
-        <p:spPr/>
-        <p:txBody>
-          <a:bodyPr/>
-          <a:lstStyle/>
-          <a:p>
-            <a:fld id="{0AE548F1-6D36-4902-B57A-69A845AA9B7E}" type="slidenum">
-              <a:rPr lang="nb-NO" smtClean="0"/>
-              <a:t>6</a:t>
             </a:fld>
             <a:endParaRPr lang="nb-NO"/>
           </a:p>

--- a/docs/NorCPM-CF_overview_20240904.pptx
+++ b/docs/NorCPM-CF_overview_20240904.pptx
@@ -215,7 +215,7 @@
           <a:p>
             <a:fld id="{386A3372-C556-4678-ADCC-3266A1490628}" type="datetimeFigureOut">
               <a:rPr lang="nb-NO" smtClean="0"/>
-              <a:t>05.09.2024</a:t>
+              <a:t>06.09.2024</a:t>
             </a:fld>
             <a:endParaRPr lang="nb-NO"/>
           </a:p>
@@ -7849,7 +7849,7 @@
                 <a:ea typeface="Menlo" panose="020B0609030804020204" pitchFamily="49" charset="0"/>
                 <a:cs typeface="Menlo" panose="020B0609030804020204" pitchFamily="49" charset="0"/>
               </a:rPr>
-              <a:t>ensemble_experiment.sh</a:t>
+              <a:t>create_ensemble.sh</a:t>
             </a:r>
             <a:r>
               <a:rPr lang="en-GB" sz="1500" dirty="0">
@@ -7947,7 +7947,7 @@
                 <a:ea typeface="Menlo" panose="020B0609030804020204" pitchFamily="49" charset="0"/>
                 <a:cs typeface="Menlo" panose="020B0609030804020204" pitchFamily="49" charset="0"/>
               </a:rPr>
-              <a:t>ensemble_experiment</a:t>
+              <a:t>submit_ensemble.sh</a:t>
             </a:r>
             <a:r>
               <a:rPr lang="en-GB" sz="1500" dirty="0">
@@ -8637,7 +8637,7 @@
                 <a:ea typeface="Menlo" panose="020B0609030804020204" pitchFamily="49" charset="0"/>
                 <a:cs typeface="Menlo" panose="020B0609030804020204" pitchFamily="49" charset="0"/>
               </a:rPr>
-              <a:t>submit_ensemble</a:t>
+              <a:t>submit_ensemble.sh</a:t>
             </a:r>
             <a:r>
               <a:rPr lang="en-GB" sz="1500" dirty="0">

--- a/docs/NorCPM-CF_overview_20240904.pptx
+++ b/docs/NorCPM-CF_overview_20240904.pptx
@@ -215,7 +215,7 @@
           <a:p>
             <a:fld id="{386A3372-C556-4678-ADCC-3266A1490628}" type="datetimeFigureOut">
               <a:rPr lang="nb-NO" smtClean="0"/>
-              <a:t>06.09.2024</a:t>
+              <a:t>10.09.2024</a:t>
             </a:fld>
             <a:endParaRPr lang="nb-NO"/>
           </a:p>
@@ -8436,7 +8436,7 @@
                 <a:ea typeface="Menlo" panose="020B0609030804020204" pitchFamily="49" charset="0"/>
                 <a:cs typeface="Menlo" panose="020B0609030804020204" pitchFamily="49" charset="0"/>
               </a:rPr>
-              <a:t>NorCPMX</a:t>
+              <a:t>NorCPM</a:t>
             </a:r>
             <a:r>
               <a:rPr lang="en-GB" sz="1500" dirty="0">
@@ -8447,7 +8447,7 @@
                 <a:ea typeface="Menlo" panose="020B0609030804020204" pitchFamily="49" charset="0"/>
                 <a:cs typeface="Menlo" panose="020B0609030804020204" pitchFamily="49" charset="0"/>
               </a:rPr>
-              <a:t>/setup/noresm2</a:t>
+              <a:t>-CF/setup/noresm2</a:t>
             </a:r>
           </a:p>
           <a:p>
